--- a/Plans/新規 Microsoft PowerPoint プレゼンテーション (1).pptx
+++ b/Plans/新規 Microsoft PowerPoint プレゼンテーション (1).pptx
@@ -8,6 +8,10 @@
     <p:sldId id="256" r:id="rId2"/>
     <p:sldId id="257" r:id="rId3"/>
     <p:sldId id="258" r:id="rId4"/>
+    <p:sldId id="259" r:id="rId5"/>
+    <p:sldId id="260" r:id="rId6"/>
+    <p:sldId id="261" r:id="rId7"/>
+    <p:sldId id="262" r:id="rId8"/>
   </p:sldIdLst>
   <p:sldSz cx="12192000" cy="6858000"/>
   <p:notesSz cx="6858000" cy="9144000"/>
@@ -256,7 +260,7 @@
           <a:p>
             <a:fld id="{131719C5-9EBF-4349-B159-C9424D1D0723}" type="datetimeFigureOut">
               <a:rPr kumimoji="1" lang="ja-JP" altLang="en-US" smtClean="0"/>
-              <a:t>2025/10/29</a:t>
+              <a:t>2025/11/17</a:t>
             </a:fld>
             <a:endParaRPr kumimoji="1" lang="ja-JP" altLang="en-US"/>
           </a:p>
@@ -458,7 +462,7 @@
           <a:p>
             <a:fld id="{131719C5-9EBF-4349-B159-C9424D1D0723}" type="datetimeFigureOut">
               <a:rPr kumimoji="1" lang="ja-JP" altLang="en-US" smtClean="0"/>
-              <a:t>2025/10/29</a:t>
+              <a:t>2025/11/17</a:t>
             </a:fld>
             <a:endParaRPr kumimoji="1" lang="ja-JP" altLang="en-US"/>
           </a:p>
@@ -670,7 +674,7 @@
           <a:p>
             <a:fld id="{131719C5-9EBF-4349-B159-C9424D1D0723}" type="datetimeFigureOut">
               <a:rPr kumimoji="1" lang="ja-JP" altLang="en-US" smtClean="0"/>
-              <a:t>2025/10/29</a:t>
+              <a:t>2025/11/17</a:t>
             </a:fld>
             <a:endParaRPr kumimoji="1" lang="ja-JP" altLang="en-US"/>
           </a:p>
@@ -872,7 +876,7 @@
           <a:p>
             <a:fld id="{131719C5-9EBF-4349-B159-C9424D1D0723}" type="datetimeFigureOut">
               <a:rPr kumimoji="1" lang="ja-JP" altLang="en-US" smtClean="0"/>
-              <a:t>2025/10/29</a:t>
+              <a:t>2025/11/17</a:t>
             </a:fld>
             <a:endParaRPr kumimoji="1" lang="ja-JP" altLang="en-US"/>
           </a:p>
@@ -1123,7 +1127,7 @@
           <a:p>
             <a:fld id="{131719C5-9EBF-4349-B159-C9424D1D0723}" type="datetimeFigureOut">
               <a:rPr kumimoji="1" lang="ja-JP" altLang="en-US" smtClean="0"/>
-              <a:t>2025/10/29</a:t>
+              <a:t>2025/11/17</a:t>
             </a:fld>
             <a:endParaRPr kumimoji="1" lang="ja-JP" altLang="en-US"/>
           </a:p>
@@ -1419,7 +1423,7 @@
           <a:p>
             <a:fld id="{131719C5-9EBF-4349-B159-C9424D1D0723}" type="datetimeFigureOut">
               <a:rPr kumimoji="1" lang="ja-JP" altLang="en-US" smtClean="0"/>
-              <a:t>2025/10/29</a:t>
+              <a:t>2025/11/17</a:t>
             </a:fld>
             <a:endParaRPr kumimoji="1" lang="ja-JP" altLang="en-US"/>
           </a:p>
@@ -1835,7 +1839,7 @@
           <a:p>
             <a:fld id="{131719C5-9EBF-4349-B159-C9424D1D0723}" type="datetimeFigureOut">
               <a:rPr kumimoji="1" lang="ja-JP" altLang="en-US" smtClean="0"/>
-              <a:t>2025/10/29</a:t>
+              <a:t>2025/11/17</a:t>
             </a:fld>
             <a:endParaRPr kumimoji="1" lang="ja-JP" altLang="en-US"/>
           </a:p>
@@ -1958,7 +1962,7 @@
           <a:p>
             <a:fld id="{131719C5-9EBF-4349-B159-C9424D1D0723}" type="datetimeFigureOut">
               <a:rPr kumimoji="1" lang="ja-JP" altLang="en-US" smtClean="0"/>
-              <a:t>2025/10/29</a:t>
+              <a:t>2025/11/17</a:t>
             </a:fld>
             <a:endParaRPr kumimoji="1" lang="ja-JP" altLang="en-US"/>
           </a:p>
@@ -2076,7 +2080,7 @@
           <a:p>
             <a:fld id="{131719C5-9EBF-4349-B159-C9424D1D0723}" type="datetimeFigureOut">
               <a:rPr kumimoji="1" lang="ja-JP" altLang="en-US" smtClean="0"/>
-              <a:t>2025/10/29</a:t>
+              <a:t>2025/11/17</a:t>
             </a:fld>
             <a:endParaRPr kumimoji="1" lang="ja-JP" altLang="en-US"/>
           </a:p>
@@ -2392,7 +2396,7 @@
           <a:p>
             <a:fld id="{131719C5-9EBF-4349-B159-C9424D1D0723}" type="datetimeFigureOut">
               <a:rPr kumimoji="1" lang="ja-JP" altLang="en-US" smtClean="0"/>
-              <a:t>2025/10/29</a:t>
+              <a:t>2025/11/17</a:t>
             </a:fld>
             <a:endParaRPr kumimoji="1" lang="ja-JP" altLang="en-US"/>
           </a:p>
@@ -2661,7 +2665,7 @@
           <a:p>
             <a:fld id="{131719C5-9EBF-4349-B159-C9424D1D0723}" type="datetimeFigureOut">
               <a:rPr kumimoji="1" lang="ja-JP" altLang="en-US" smtClean="0"/>
-              <a:t>2025/10/29</a:t>
+              <a:t>2025/11/17</a:t>
             </a:fld>
             <a:endParaRPr kumimoji="1" lang="ja-JP" altLang="en-US"/>
           </a:p>
@@ -2907,7 +2911,7 @@
           <a:p>
             <a:fld id="{131719C5-9EBF-4349-B159-C9424D1D0723}" type="datetimeFigureOut">
               <a:rPr kumimoji="1" lang="ja-JP" altLang="en-US" smtClean="0"/>
-              <a:t>2025/10/29</a:t>
+              <a:t>2025/11/17</a:t>
             </a:fld>
             <a:endParaRPr kumimoji="1" lang="ja-JP" altLang="en-US"/>
           </a:p>
@@ -3323,28 +3327,18 @@
         <p:blipFill>
           <a:blip r:embed="rId2">
             <a:extLst>
-              <a:ext uri="{BEBA8EAE-BF5A-486C-A8C5-ECC9F3942E4B}">
-                <a14:imgProps xmlns:a14="http://schemas.microsoft.com/office/drawing/2010/main">
-                  <a14:imgLayer r:embed="rId3">
-                    <a14:imgEffect>
-                      <a14:artisticMarker/>
-                    </a14:imgEffect>
-                  </a14:imgLayer>
-                </a14:imgProps>
-              </a:ext>
               <a:ext uri="{28A0092B-C50C-407E-A947-70E740481C1C}">
                 <a14:useLocalDpi xmlns:a14="http://schemas.microsoft.com/office/drawing/2010/main" val="0"/>
               </a:ext>
             </a:extLst>
           </a:blip>
-          <a:stretch>
-            <a:fillRect/>
-          </a:stretch>
+          <a:srcRect/>
+          <a:stretch/>
         </p:blipFill>
         <p:spPr>
           <a:xfrm>
-            <a:off x="-89478" y="-1"/>
-            <a:ext cx="12281477" cy="6927273"/>
+            <a:off x="-1914325" y="-4343400"/>
+            <a:ext cx="16020650" cy="15544799"/>
           </a:xfrm>
           <a:prstGeom prst="rect">
             <a:avLst/>
@@ -3383,8 +3377,16 @@
           <a:lstStyle/>
           <a:p>
             <a:r>
-              <a:rPr kumimoji="1" lang="ja-JP" altLang="en-US" dirty="0"/>
-              <a:t>（保留）</a:t>
+              <a:rPr kumimoji="1" lang="ja-JP" altLang="en-US" dirty="0">
+                <a:solidFill>
+                  <a:schemeClr val="accent1">
+                    <a:lumMod val="50000"/>
+                  </a:schemeClr>
+                </a:solidFill>
+                <a:latin typeface="ポプらむ☆キウイ Telop" pitchFamily="50" charset="0"/>
+                <a:ea typeface="ポプらむ☆キウイ Telop" pitchFamily="50" charset="0"/>
+              </a:rPr>
+              <a:t>プルプルキャット</a:t>
             </a:r>
           </a:p>
         </p:txBody>
@@ -3407,10 +3409,108 @@
         </p:nvSpPr>
         <p:spPr/>
         <p:txBody>
-          <a:bodyPr/>
-          <a:lstStyle/>
-          <a:p>
-            <a:endParaRPr kumimoji="1" lang="ja-JP" altLang="en-US"/>
+          <a:bodyPr>
+            <a:normAutofit/>
+          </a:bodyPr>
+          <a:lstStyle/>
+          <a:p>
+            <a:r>
+              <a:rPr lang="ja-JP" altLang="en-US" sz="4000" dirty="0">
+                <a:solidFill>
+                  <a:srgbClr val="0070C0"/>
+                </a:solidFill>
+                <a:latin typeface="+mj-lt"/>
+              </a:rPr>
+              <a:t>ー</a:t>
+            </a:r>
+            <a:r>
+              <a:rPr lang="en-US" altLang="ja-JP" sz="4000" dirty="0">
+                <a:solidFill>
+                  <a:srgbClr val="0070C0"/>
+                </a:solidFill>
+                <a:latin typeface="+mj-lt"/>
+              </a:rPr>
+              <a:t>Pull </a:t>
+            </a:r>
+            <a:r>
+              <a:rPr lang="en-US" altLang="ja-JP" sz="4000" dirty="0" err="1">
+                <a:solidFill>
+                  <a:srgbClr val="0070C0"/>
+                </a:solidFill>
+                <a:latin typeface="+mj-lt"/>
+              </a:rPr>
+              <a:t>Pull</a:t>
+            </a:r>
+            <a:r>
+              <a:rPr lang="en-US" altLang="ja-JP" sz="4000" dirty="0">
+                <a:solidFill>
+                  <a:srgbClr val="0070C0"/>
+                </a:solidFill>
+                <a:latin typeface="+mj-lt"/>
+              </a:rPr>
+              <a:t> Cat</a:t>
+            </a:r>
+            <a:r>
+              <a:rPr lang="ja-JP" altLang="en-US" sz="4000" dirty="0">
+                <a:solidFill>
+                  <a:srgbClr val="0070C0"/>
+                </a:solidFill>
+                <a:latin typeface="+mj-lt"/>
+              </a:rPr>
+              <a:t>ー</a:t>
+            </a:r>
+            <a:endParaRPr kumimoji="1" lang="ja-JP" altLang="en-US" sz="4000" dirty="0">
+              <a:solidFill>
+                <a:srgbClr val="0070C0"/>
+              </a:solidFill>
+              <a:latin typeface="+mj-lt"/>
+            </a:endParaRPr>
+          </a:p>
+        </p:txBody>
+      </p:sp>
+      <p:sp>
+        <p:nvSpPr>
+          <p:cNvPr id="4" name="テキスト ボックス 3">
+            <a:extLst>
+              <a:ext uri="{FF2B5EF4-FFF2-40B4-BE49-F238E27FC236}">
+                <a16:creationId xmlns:a16="http://schemas.microsoft.com/office/drawing/2014/main" id="{E4794889-2154-43D9-B6C2-08983ED5439B}"/>
+              </a:ext>
+            </a:extLst>
+          </p:cNvPr>
+          <p:cNvSpPr txBox="1"/>
+          <p:nvPr/>
+        </p:nvSpPr>
+        <p:spPr>
+          <a:xfrm>
+            <a:off x="2751221" y="2463045"/>
+            <a:ext cx="6689558" cy="1015663"/>
+          </a:xfrm>
+          <a:prstGeom prst="rect">
+            <a:avLst/>
+          </a:prstGeom>
+          <a:noFill/>
+        </p:spPr>
+        <p:txBody>
+          <a:bodyPr wrap="square" rtlCol="0">
+            <a:spAutoFit/>
+          </a:bodyPr>
+          <a:lstStyle/>
+          <a:p>
+            <a:r>
+              <a:rPr kumimoji="1" lang="ja-JP" altLang="en-US" sz="6000" dirty="0">
+                <a:solidFill>
+                  <a:srgbClr val="00B0F0"/>
+                </a:solidFill>
+                <a:latin typeface="ポプらむ☆キウイ Telop" pitchFamily="50" charset="0"/>
+                <a:ea typeface="ポプらむ☆キウイ Telop" pitchFamily="50" charset="0"/>
+              </a:rPr>
+              <a:t>プルプルキャット</a:t>
+            </a:r>
+            <a:endParaRPr kumimoji="1" lang="ja-JP" altLang="en-US" sz="6000" dirty="0">
+              <a:solidFill>
+                <a:srgbClr val="00B0F0"/>
+              </a:solidFill>
+            </a:endParaRPr>
           </a:p>
         </p:txBody>
       </p:sp>
@@ -3444,6 +3544,51 @@
           <a:chExt cx="0" cy="0"/>
         </a:xfrm>
       </p:grpSpPr>
+      <p:pic>
+        <p:nvPicPr>
+          <p:cNvPr id="6" name="図 5">
+            <a:extLst>
+              <a:ext uri="{FF2B5EF4-FFF2-40B4-BE49-F238E27FC236}">
+                <a16:creationId xmlns:a16="http://schemas.microsoft.com/office/drawing/2014/main" id="{A9D839F9-C86B-4112-A8A0-0731F1E98170}"/>
+              </a:ext>
+            </a:extLst>
+          </p:cNvPr>
+          <p:cNvPicPr>
+            <a:picLocks noChangeAspect="1"/>
+          </p:cNvPicPr>
+          <p:nvPr/>
+        </p:nvPicPr>
+        <p:blipFill>
+          <a:blip r:embed="rId2">
+            <a:extLst>
+              <a:ext uri="{28A0092B-C50C-407E-A947-70E740481C1C}">
+                <a14:useLocalDpi xmlns:a14="http://schemas.microsoft.com/office/drawing/2010/main" val="0"/>
+              </a:ext>
+            </a:extLst>
+          </a:blip>
+          <a:srcRect/>
+          <a:stretch/>
+        </p:blipFill>
+        <p:spPr>
+          <a:xfrm>
+            <a:off x="-1914325" y="-4343400"/>
+            <a:ext cx="16020650" cy="15544799"/>
+          </a:xfrm>
+          <a:prstGeom prst="rect">
+            <a:avLst/>
+          </a:prstGeom>
+          <a:ln>
+            <a:noFill/>
+          </a:ln>
+          <a:effectLst>
+            <a:outerShdw blurRad="190500" algn="tl" rotWithShape="0">
+              <a:srgbClr val="000000">
+                <a:alpha val="70000"/>
+              </a:srgbClr>
+            </a:outerShdw>
+          </a:effectLst>
+        </p:spPr>
+      </p:pic>
       <p:sp>
         <p:nvSpPr>
           <p:cNvPr id="2" name="タイトル 1">
@@ -3462,7 +3607,7 @@
         </p:nvSpPr>
         <p:spPr>
           <a:xfrm>
-            <a:off x="0" y="379413"/>
+            <a:off x="609600" y="319088"/>
             <a:ext cx="10515600" cy="973137"/>
           </a:xfrm>
         </p:spPr>
@@ -3495,7 +3640,7 @@
         </p:nvSpPr>
         <p:spPr>
           <a:xfrm>
-            <a:off x="0" y="1292225"/>
+            <a:off x="1066800" y="1292225"/>
             <a:ext cx="10515600" cy="1090613"/>
           </a:xfrm>
         </p:spPr>
@@ -3538,7 +3683,7 @@
         </p:nvSpPr>
         <p:spPr>
           <a:xfrm>
-            <a:off x="369455" y="2468055"/>
+            <a:off x="609600" y="2895276"/>
             <a:ext cx="5390866" cy="769441"/>
           </a:xfrm>
           <a:prstGeom prst="rect">
@@ -3573,7 +3718,7 @@
         </p:nvSpPr>
         <p:spPr>
           <a:xfrm>
-            <a:off x="609600" y="3267284"/>
+            <a:off x="1066800" y="4005115"/>
             <a:ext cx="1204176" cy="523220"/>
           </a:xfrm>
           <a:prstGeom prst="rect">
@@ -3625,6 +3770,51 @@
           <a:chExt cx="0" cy="0"/>
         </a:xfrm>
       </p:grpSpPr>
+      <p:pic>
+        <p:nvPicPr>
+          <p:cNvPr id="4" name="図 3">
+            <a:extLst>
+              <a:ext uri="{FF2B5EF4-FFF2-40B4-BE49-F238E27FC236}">
+                <a16:creationId xmlns:a16="http://schemas.microsoft.com/office/drawing/2014/main" id="{D2D2E755-E9A8-4B11-89BD-641E427CD0BC}"/>
+              </a:ext>
+            </a:extLst>
+          </p:cNvPr>
+          <p:cNvPicPr>
+            <a:picLocks noChangeAspect="1"/>
+          </p:cNvPicPr>
+          <p:nvPr/>
+        </p:nvPicPr>
+        <p:blipFill>
+          <a:blip r:embed="rId2">
+            <a:extLst>
+              <a:ext uri="{28A0092B-C50C-407E-A947-70E740481C1C}">
+                <a14:useLocalDpi xmlns:a14="http://schemas.microsoft.com/office/drawing/2010/main" val="0"/>
+              </a:ext>
+            </a:extLst>
+          </a:blip>
+          <a:srcRect/>
+          <a:stretch/>
+        </p:blipFill>
+        <p:spPr>
+          <a:xfrm>
+            <a:off x="-1914325" y="-4343400"/>
+            <a:ext cx="16020650" cy="15544799"/>
+          </a:xfrm>
+          <a:prstGeom prst="rect">
+            <a:avLst/>
+          </a:prstGeom>
+          <a:ln>
+            <a:noFill/>
+          </a:ln>
+          <a:effectLst>
+            <a:outerShdw blurRad="190500" algn="tl" rotWithShape="0">
+              <a:srgbClr val="000000">
+                <a:alpha val="70000"/>
+              </a:srgbClr>
+            </a:outerShdw>
+          </a:effectLst>
+        </p:spPr>
+      </p:pic>
       <p:sp>
         <p:nvSpPr>
           <p:cNvPr id="2" name="タイトル 1">
@@ -3692,6 +3882,2532 @@
     <p:extLst>
       <p:ext uri="{BB962C8B-B14F-4D97-AF65-F5344CB8AC3E}">
         <p14:creationId xmlns:p14="http://schemas.microsoft.com/office/powerpoint/2010/main" val="1200505529"/>
+      </p:ext>
+    </p:extLst>
+  </p:cSld>
+  <p:clrMapOvr>
+    <a:masterClrMapping/>
+  </p:clrMapOvr>
+</p:sld>
+</file>
+
+<file path=ppt/slides/slide4.xml><?xml version="1.0" encoding="utf-8"?>
+<p:sld xmlns:a="http://schemas.openxmlformats.org/drawingml/2006/main" xmlns:r="http://schemas.openxmlformats.org/officeDocument/2006/relationships" xmlns:p="http://schemas.openxmlformats.org/presentationml/2006/main">
+  <p:cSld>
+    <p:spTree>
+      <p:nvGrpSpPr>
+        <p:cNvPr id="1" name=""/>
+        <p:cNvGrpSpPr/>
+        <p:nvPr/>
+      </p:nvGrpSpPr>
+      <p:grpSpPr>
+        <a:xfrm>
+          <a:off x="0" y="0"/>
+          <a:ext cx="0" cy="0"/>
+          <a:chOff x="0" y="0"/>
+          <a:chExt cx="0" cy="0"/>
+        </a:xfrm>
+      </p:grpSpPr>
+      <p:pic>
+        <p:nvPicPr>
+          <p:cNvPr id="4" name="図 3">
+            <a:extLst>
+              <a:ext uri="{FF2B5EF4-FFF2-40B4-BE49-F238E27FC236}">
+                <a16:creationId xmlns:a16="http://schemas.microsoft.com/office/drawing/2014/main" id="{DAA786F1-2F3B-4F88-945D-541875F5BA03}"/>
+              </a:ext>
+            </a:extLst>
+          </p:cNvPr>
+          <p:cNvPicPr>
+            <a:picLocks noChangeAspect="1"/>
+          </p:cNvPicPr>
+          <p:nvPr/>
+        </p:nvPicPr>
+        <p:blipFill>
+          <a:blip r:embed="rId2">
+            <a:extLst>
+              <a:ext uri="{28A0092B-C50C-407E-A947-70E740481C1C}">
+                <a14:useLocalDpi xmlns:a14="http://schemas.microsoft.com/office/drawing/2010/main" val="0"/>
+              </a:ext>
+            </a:extLst>
+          </a:blip>
+          <a:srcRect/>
+          <a:stretch/>
+        </p:blipFill>
+        <p:spPr>
+          <a:xfrm>
+            <a:off x="-1914325" y="-4343400"/>
+            <a:ext cx="16020650" cy="15544799"/>
+          </a:xfrm>
+          <a:prstGeom prst="roundRect">
+            <a:avLst>
+              <a:gd name="adj" fmla="val 8594"/>
+            </a:avLst>
+          </a:prstGeom>
+          <a:solidFill>
+            <a:srgbClr val="FFFFFF">
+              <a:shade val="85000"/>
+            </a:srgbClr>
+          </a:solidFill>
+          <a:ln>
+            <a:noFill/>
+          </a:ln>
+          <a:effectLst>
+            <a:reflection blurRad="12700" stA="38000" endPos="28000" dist="5000" dir="5400000" sy="-100000" algn="bl" rotWithShape="0"/>
+          </a:effectLst>
+        </p:spPr>
+      </p:pic>
+      <p:sp>
+        <p:nvSpPr>
+          <p:cNvPr id="2" name="タイトル 1">
+            <a:extLst>
+              <a:ext uri="{FF2B5EF4-FFF2-40B4-BE49-F238E27FC236}">
+                <a16:creationId xmlns:a16="http://schemas.microsoft.com/office/drawing/2014/main" id="{8274B098-7183-436A-BA3D-691013FB40FA}"/>
+              </a:ext>
+            </a:extLst>
+          </p:cNvPr>
+          <p:cNvSpPr>
+            <a:spLocks noGrp="1"/>
+          </p:cNvSpPr>
+          <p:nvPr>
+            <p:ph type="title"/>
+          </p:nvPr>
+        </p:nvSpPr>
+        <p:spPr/>
+        <p:txBody>
+          <a:bodyPr/>
+          <a:lstStyle/>
+          <a:p>
+            <a:r>
+              <a:rPr kumimoji="1" lang="ja-JP" altLang="en-US" dirty="0"/>
+              <a:t>あらすじ</a:t>
+            </a:r>
+          </a:p>
+        </p:txBody>
+      </p:sp>
+      <p:pic>
+        <p:nvPicPr>
+          <p:cNvPr id="10" name="コンテンツ プレースホルダー 9">
+            <a:extLst>
+              <a:ext uri="{FF2B5EF4-FFF2-40B4-BE49-F238E27FC236}">
+                <a16:creationId xmlns:a16="http://schemas.microsoft.com/office/drawing/2014/main" id="{28475616-F67F-476D-B185-46D5D53AFF66}"/>
+              </a:ext>
+            </a:extLst>
+          </p:cNvPr>
+          <p:cNvPicPr>
+            <a:picLocks noGrp="1" noChangeAspect="1"/>
+          </p:cNvPicPr>
+          <p:nvPr>
+            <p:ph idx="1"/>
+          </p:nvPr>
+        </p:nvPicPr>
+        <p:blipFill rotWithShape="1">
+          <a:blip r:embed="rId3">
+            <a:extLst>
+              <a:ext uri="{28A0092B-C50C-407E-A947-70E740481C1C}">
+                <a14:useLocalDpi xmlns:a14="http://schemas.microsoft.com/office/drawing/2010/main" val="0"/>
+              </a:ext>
+            </a:extLst>
+          </a:blip>
+          <a:srcRect l="1042" t="6905" r="3694" b="9907"/>
+          <a:stretch/>
+        </p:blipFill>
+        <p:spPr>
+          <a:xfrm>
+            <a:off x="1758461" y="1440106"/>
+            <a:ext cx="8271803" cy="4960376"/>
+          </a:xfrm>
+        </p:spPr>
+      </p:pic>
+      <p:pic>
+        <p:nvPicPr>
+          <p:cNvPr id="12" name="図 11">
+            <a:extLst>
+              <a:ext uri="{FF2B5EF4-FFF2-40B4-BE49-F238E27FC236}">
+                <a16:creationId xmlns:a16="http://schemas.microsoft.com/office/drawing/2014/main" id="{A9F64BD8-1E44-4619-9BDA-221E9EFEF64D}"/>
+              </a:ext>
+            </a:extLst>
+          </p:cNvPr>
+          <p:cNvPicPr>
+            <a:picLocks noChangeAspect="1"/>
+          </p:cNvPicPr>
+          <p:nvPr/>
+        </p:nvPicPr>
+        <p:blipFill>
+          <a:blip r:embed="rId4">
+            <a:extLst>
+              <a:ext uri="{28A0092B-C50C-407E-A947-70E740481C1C}">
+                <a14:useLocalDpi xmlns:a14="http://schemas.microsoft.com/office/drawing/2010/main" val="0"/>
+              </a:ext>
+            </a:extLst>
+          </a:blip>
+          <a:stretch>
+            <a:fillRect/>
+          </a:stretch>
+        </p:blipFill>
+        <p:spPr>
+          <a:xfrm>
+            <a:off x="2071601" y="1691321"/>
+            <a:ext cx="3612198" cy="4132703"/>
+          </a:xfrm>
+          <a:prstGeom prst="rect">
+            <a:avLst/>
+          </a:prstGeom>
+        </p:spPr>
+      </p:pic>
+      <p:sp>
+        <p:nvSpPr>
+          <p:cNvPr id="13" name="テキスト ボックス 12">
+            <a:extLst>
+              <a:ext uri="{FF2B5EF4-FFF2-40B4-BE49-F238E27FC236}">
+                <a16:creationId xmlns:a16="http://schemas.microsoft.com/office/drawing/2014/main" id="{1070F6A6-9DC0-4356-BEC0-6B17C5F36B88}"/>
+              </a:ext>
+            </a:extLst>
+          </p:cNvPr>
+          <p:cNvSpPr txBox="1"/>
+          <p:nvPr/>
+        </p:nvSpPr>
+        <p:spPr>
+          <a:xfrm>
+            <a:off x="6096000" y="1955409"/>
+            <a:ext cx="3612198" cy="3868615"/>
+          </a:xfrm>
+          <a:prstGeom prst="rect">
+            <a:avLst/>
+          </a:prstGeom>
+          <a:noFill/>
+        </p:spPr>
+        <p:txBody>
+          <a:bodyPr wrap="square" rtlCol="0">
+            <a:spAutoFit/>
+          </a:bodyPr>
+          <a:lstStyle/>
+          <a:p>
+            <a:endParaRPr kumimoji="1" lang="ja-JP" altLang="en-US" dirty="0"/>
+          </a:p>
+        </p:txBody>
+      </p:sp>
+      <p:sp>
+        <p:nvSpPr>
+          <p:cNvPr id="5" name="テキスト ボックス 4">
+            <a:extLst>
+              <a:ext uri="{FF2B5EF4-FFF2-40B4-BE49-F238E27FC236}">
+                <a16:creationId xmlns:a16="http://schemas.microsoft.com/office/drawing/2014/main" id="{F2D584B4-845E-43EC-95A5-826441387212}"/>
+              </a:ext>
+            </a:extLst>
+          </p:cNvPr>
+          <p:cNvSpPr txBox="1"/>
+          <p:nvPr/>
+        </p:nvSpPr>
+        <p:spPr>
+          <a:xfrm>
+            <a:off x="6005865" y="2118229"/>
+            <a:ext cx="3612198" cy="3046988"/>
+          </a:xfrm>
+          <a:prstGeom prst="rect">
+            <a:avLst/>
+          </a:prstGeom>
+          <a:noFill/>
+        </p:spPr>
+        <p:txBody>
+          <a:bodyPr wrap="square" rtlCol="0">
+            <a:spAutoFit/>
+          </a:bodyPr>
+          <a:lstStyle/>
+          <a:p>
+            <a:r>
+              <a:rPr kumimoji="1" lang="ja-JP" altLang="en-US" sz="2400" b="1" dirty="0">
+                <a:latin typeface="Tw Cen MT Condensed Extra Bold" panose="020B0803020202020204" pitchFamily="34" charset="0"/>
+              </a:rPr>
+              <a:t>森のはずれに住む少年は</a:t>
+            </a:r>
+            <a:endParaRPr kumimoji="1" lang="en-US" altLang="ja-JP" sz="2400" b="1" dirty="0">
+              <a:latin typeface="Tw Cen MT Condensed Extra Bold" panose="020B0803020202020204" pitchFamily="34" charset="0"/>
+            </a:endParaRPr>
+          </a:p>
+          <a:p>
+            <a:r>
+              <a:rPr kumimoji="1" lang="ja-JP" altLang="en-US" sz="2400" b="1" dirty="0">
+                <a:latin typeface="Tw Cen MT Condensed Extra Bold" panose="020B0803020202020204" pitchFamily="34" charset="0"/>
+              </a:rPr>
+              <a:t>母の日に感謝を伝えるため</a:t>
+            </a:r>
+            <a:endParaRPr kumimoji="1" lang="en-US" altLang="ja-JP" sz="2400" b="1" dirty="0">
+              <a:latin typeface="Tw Cen MT Condensed Extra Bold" panose="020B0803020202020204" pitchFamily="34" charset="0"/>
+            </a:endParaRPr>
+          </a:p>
+          <a:p>
+            <a:r>
+              <a:rPr kumimoji="1" lang="ja-JP" altLang="en-US" sz="2400" b="1" dirty="0">
+                <a:latin typeface="Tw Cen MT Condensed Extra Bold" panose="020B0803020202020204" pitchFamily="34" charset="0"/>
+              </a:rPr>
+              <a:t>森に花を摘みに出かけました</a:t>
+            </a:r>
+            <a:endParaRPr kumimoji="1" lang="en-US" altLang="ja-JP" sz="2400" b="1" dirty="0">
+              <a:latin typeface="Tw Cen MT Condensed Extra Bold" panose="020B0803020202020204" pitchFamily="34" charset="0"/>
+            </a:endParaRPr>
+          </a:p>
+          <a:p>
+            <a:endParaRPr kumimoji="1" lang="en-US" altLang="ja-JP" sz="2400" b="1" dirty="0">
+              <a:latin typeface="Tw Cen MT Condensed Extra Bold" panose="020B0803020202020204" pitchFamily="34" charset="0"/>
+            </a:endParaRPr>
+          </a:p>
+          <a:p>
+            <a:r>
+              <a:rPr kumimoji="1" lang="en-US" altLang="ja-JP" sz="2400" b="1" dirty="0">
+                <a:latin typeface="Tw Cen MT Condensed Extra Bold" panose="020B0803020202020204" pitchFamily="34" charset="0"/>
+              </a:rPr>
+              <a:t>…</a:t>
+            </a:r>
+            <a:r>
+              <a:rPr kumimoji="1" lang="ja-JP" altLang="en-US" sz="2400" b="1" dirty="0">
+                <a:latin typeface="Tw Cen MT Condensed Extra Bold" panose="020B0803020202020204" pitchFamily="34" charset="0"/>
+              </a:rPr>
+              <a:t>立ち入り禁止の看板に</a:t>
+            </a:r>
+            <a:endParaRPr kumimoji="1" lang="en-US" altLang="ja-JP" sz="2400" b="1" dirty="0">
+              <a:latin typeface="Tw Cen MT Condensed Extra Bold" panose="020B0803020202020204" pitchFamily="34" charset="0"/>
+            </a:endParaRPr>
+          </a:p>
+          <a:p>
+            <a:r>
+              <a:rPr kumimoji="1" lang="ja-JP" altLang="en-US" sz="2400" b="1" dirty="0">
+                <a:latin typeface="Tw Cen MT Condensed Extra Bold" panose="020B0803020202020204" pitchFamily="34" charset="0"/>
+              </a:rPr>
+              <a:t>気づかずに</a:t>
+            </a:r>
+            <a:endParaRPr kumimoji="1" lang="en-US" altLang="ja-JP" sz="2400" b="1" dirty="0">
+              <a:latin typeface="Tw Cen MT Condensed Extra Bold" panose="020B0803020202020204" pitchFamily="34" charset="0"/>
+            </a:endParaRPr>
+          </a:p>
+        </p:txBody>
+      </p:sp>
+      <p:sp>
+        <p:nvSpPr>
+          <p:cNvPr id="7" name="二等辺三角形 6">
+            <a:extLst>
+              <a:ext uri="{FF2B5EF4-FFF2-40B4-BE49-F238E27FC236}">
+                <a16:creationId xmlns:a16="http://schemas.microsoft.com/office/drawing/2014/main" id="{F834FF71-A80D-42D7-86C0-6C626BAAE65B}"/>
+              </a:ext>
+            </a:extLst>
+          </p:cNvPr>
+          <p:cNvSpPr/>
+          <p:nvPr/>
+        </p:nvSpPr>
+        <p:spPr>
+          <a:xfrm rot="21031360">
+            <a:off x="3352297" y="3853154"/>
+            <a:ext cx="400075" cy="385495"/>
+          </a:xfrm>
+          <a:prstGeom prst="triangle">
+            <a:avLst/>
+          </a:prstGeom>
+        </p:spPr>
+        <p:style>
+          <a:lnRef idx="2">
+            <a:schemeClr val="accent1">
+              <a:shade val="50000"/>
+            </a:schemeClr>
+          </a:lnRef>
+          <a:fillRef idx="1">
+            <a:schemeClr val="accent1"/>
+          </a:fillRef>
+          <a:effectRef idx="0">
+            <a:schemeClr val="accent1"/>
+          </a:effectRef>
+          <a:fontRef idx="minor">
+            <a:schemeClr val="lt1"/>
+          </a:fontRef>
+        </p:style>
+        <p:txBody>
+          <a:bodyPr rtlCol="0" anchor="ctr"/>
+          <a:lstStyle/>
+          <a:p>
+            <a:pPr algn="ctr"/>
+            <a:endParaRPr kumimoji="1" lang="ja-JP" altLang="en-US"/>
+          </a:p>
+        </p:txBody>
+      </p:sp>
+      <p:sp>
+        <p:nvSpPr>
+          <p:cNvPr id="14" name="楕円 13">
+            <a:extLst>
+              <a:ext uri="{FF2B5EF4-FFF2-40B4-BE49-F238E27FC236}">
+                <a16:creationId xmlns:a16="http://schemas.microsoft.com/office/drawing/2014/main" id="{7820473B-4768-4848-83B2-784843012E58}"/>
+              </a:ext>
+            </a:extLst>
+          </p:cNvPr>
+          <p:cNvSpPr/>
+          <p:nvPr/>
+        </p:nvSpPr>
+        <p:spPr>
+          <a:xfrm rot="2398471">
+            <a:off x="4113191" y="4619855"/>
+            <a:ext cx="491597" cy="703385"/>
+          </a:xfrm>
+          <a:prstGeom prst="ellipse">
+            <a:avLst/>
+          </a:prstGeom>
+          <a:solidFill>
+            <a:schemeClr val="accent4">
+              <a:lumMod val="40000"/>
+              <a:lumOff val="60000"/>
+            </a:schemeClr>
+          </a:solidFill>
+        </p:spPr>
+        <p:style>
+          <a:lnRef idx="2">
+            <a:schemeClr val="accent1">
+              <a:shade val="50000"/>
+            </a:schemeClr>
+          </a:lnRef>
+          <a:fillRef idx="1">
+            <a:schemeClr val="accent1"/>
+          </a:fillRef>
+          <a:effectRef idx="0">
+            <a:schemeClr val="accent1"/>
+          </a:effectRef>
+          <a:fontRef idx="minor">
+            <a:schemeClr val="lt1"/>
+          </a:fontRef>
+        </p:style>
+        <p:txBody>
+          <a:bodyPr rtlCol="0" anchor="ctr"/>
+          <a:lstStyle/>
+          <a:p>
+            <a:pPr algn="ctr"/>
+            <a:endParaRPr kumimoji="1" lang="ja-JP" altLang="en-US"/>
+          </a:p>
+        </p:txBody>
+      </p:sp>
+      <p:sp>
+        <p:nvSpPr>
+          <p:cNvPr id="6" name="フローチャート: 結合子 5">
+            <a:extLst>
+              <a:ext uri="{FF2B5EF4-FFF2-40B4-BE49-F238E27FC236}">
+                <a16:creationId xmlns:a16="http://schemas.microsoft.com/office/drawing/2014/main" id="{E85ED67D-438C-487B-A73C-37FFC273048C}"/>
+              </a:ext>
+            </a:extLst>
+          </p:cNvPr>
+          <p:cNvSpPr/>
+          <p:nvPr/>
+        </p:nvSpPr>
+        <p:spPr>
+          <a:xfrm>
+            <a:off x="3311637" y="3968689"/>
+            <a:ext cx="1266092" cy="1325562"/>
+          </a:xfrm>
+          <a:prstGeom prst="flowChartConnector">
+            <a:avLst/>
+          </a:prstGeom>
+          <a:ln>
+            <a:noFill/>
+          </a:ln>
+        </p:spPr>
+        <p:style>
+          <a:lnRef idx="2">
+            <a:schemeClr val="accent1">
+              <a:shade val="50000"/>
+            </a:schemeClr>
+          </a:lnRef>
+          <a:fillRef idx="1">
+            <a:schemeClr val="accent1"/>
+          </a:fillRef>
+          <a:effectRef idx="0">
+            <a:schemeClr val="accent1"/>
+          </a:effectRef>
+          <a:fontRef idx="minor">
+            <a:schemeClr val="lt1"/>
+          </a:fontRef>
+        </p:style>
+        <p:txBody>
+          <a:bodyPr rtlCol="0" anchor="ctr"/>
+          <a:lstStyle/>
+          <a:p>
+            <a:pPr algn="ctr"/>
+            <a:endParaRPr kumimoji="1" lang="ja-JP" altLang="en-US"/>
+          </a:p>
+        </p:txBody>
+      </p:sp>
+      <p:sp>
+        <p:nvSpPr>
+          <p:cNvPr id="11" name="二等辺三角形 10">
+            <a:extLst>
+              <a:ext uri="{FF2B5EF4-FFF2-40B4-BE49-F238E27FC236}">
+                <a16:creationId xmlns:a16="http://schemas.microsoft.com/office/drawing/2014/main" id="{20B3CFFF-57E9-4C17-B10F-0C04426B9127}"/>
+              </a:ext>
+            </a:extLst>
+          </p:cNvPr>
+          <p:cNvSpPr/>
+          <p:nvPr/>
+        </p:nvSpPr>
+        <p:spPr>
+          <a:xfrm rot="1439998">
+            <a:off x="4092512" y="3853155"/>
+            <a:ext cx="400075" cy="385495"/>
+          </a:xfrm>
+          <a:prstGeom prst="triangle">
+            <a:avLst/>
+          </a:prstGeom>
+          <a:ln>
+            <a:noFill/>
+          </a:ln>
+        </p:spPr>
+        <p:style>
+          <a:lnRef idx="2">
+            <a:schemeClr val="accent1">
+              <a:shade val="50000"/>
+            </a:schemeClr>
+          </a:lnRef>
+          <a:fillRef idx="1">
+            <a:schemeClr val="accent1"/>
+          </a:fillRef>
+          <a:effectRef idx="0">
+            <a:schemeClr val="accent1"/>
+          </a:effectRef>
+          <a:fontRef idx="minor">
+            <a:schemeClr val="lt1"/>
+          </a:fontRef>
+        </p:style>
+        <p:txBody>
+          <a:bodyPr rtlCol="0" anchor="ctr"/>
+          <a:lstStyle/>
+          <a:p>
+            <a:pPr algn="ctr"/>
+            <a:endParaRPr kumimoji="1" lang="ja-JP" altLang="en-US"/>
+          </a:p>
+        </p:txBody>
+      </p:sp>
+      <p:sp>
+        <p:nvSpPr>
+          <p:cNvPr id="8" name="楕円 7">
+            <a:extLst>
+              <a:ext uri="{FF2B5EF4-FFF2-40B4-BE49-F238E27FC236}">
+                <a16:creationId xmlns:a16="http://schemas.microsoft.com/office/drawing/2014/main" id="{DF5446E4-0BAD-48FA-86CD-33AC42F8CCE1}"/>
+              </a:ext>
+            </a:extLst>
+          </p:cNvPr>
+          <p:cNvSpPr/>
+          <p:nvPr/>
+        </p:nvSpPr>
+        <p:spPr>
+          <a:xfrm>
+            <a:off x="3296515" y="4797971"/>
+            <a:ext cx="491597" cy="703385"/>
+          </a:xfrm>
+          <a:prstGeom prst="ellipse">
+            <a:avLst/>
+          </a:prstGeom>
+          <a:solidFill>
+            <a:schemeClr val="accent4">
+              <a:lumMod val="40000"/>
+              <a:lumOff val="60000"/>
+            </a:schemeClr>
+          </a:solidFill>
+        </p:spPr>
+        <p:style>
+          <a:lnRef idx="2">
+            <a:schemeClr val="accent1">
+              <a:shade val="50000"/>
+            </a:schemeClr>
+          </a:lnRef>
+          <a:fillRef idx="1">
+            <a:schemeClr val="accent1"/>
+          </a:fillRef>
+          <a:effectRef idx="0">
+            <a:schemeClr val="accent1"/>
+          </a:effectRef>
+          <a:fontRef idx="minor">
+            <a:schemeClr val="lt1"/>
+          </a:fontRef>
+        </p:style>
+        <p:txBody>
+          <a:bodyPr rtlCol="0" anchor="ctr"/>
+          <a:lstStyle/>
+          <a:p>
+            <a:pPr algn="ctr"/>
+            <a:endParaRPr kumimoji="1" lang="ja-JP" altLang="en-US"/>
+          </a:p>
+        </p:txBody>
+      </p:sp>
+    </p:spTree>
+    <p:extLst>
+      <p:ext uri="{BB962C8B-B14F-4D97-AF65-F5344CB8AC3E}">
+        <p14:creationId xmlns:p14="http://schemas.microsoft.com/office/powerpoint/2010/main" val="4020513361"/>
+      </p:ext>
+    </p:extLst>
+  </p:cSld>
+  <p:clrMapOvr>
+    <a:masterClrMapping/>
+  </p:clrMapOvr>
+</p:sld>
+</file>
+
+<file path=ppt/slides/slide5.xml><?xml version="1.0" encoding="utf-8"?>
+<p:sld xmlns:a="http://schemas.openxmlformats.org/drawingml/2006/main" xmlns:r="http://schemas.openxmlformats.org/officeDocument/2006/relationships" xmlns:p="http://schemas.openxmlformats.org/presentationml/2006/main">
+  <p:cSld>
+    <p:spTree>
+      <p:nvGrpSpPr>
+        <p:cNvPr id="1" name=""/>
+        <p:cNvGrpSpPr/>
+        <p:nvPr/>
+      </p:nvGrpSpPr>
+      <p:grpSpPr>
+        <a:xfrm>
+          <a:off x="0" y="0"/>
+          <a:ext cx="0" cy="0"/>
+          <a:chOff x="0" y="0"/>
+          <a:chExt cx="0" cy="0"/>
+        </a:xfrm>
+      </p:grpSpPr>
+      <p:pic>
+        <p:nvPicPr>
+          <p:cNvPr id="5" name="図 4">
+            <a:extLst>
+              <a:ext uri="{FF2B5EF4-FFF2-40B4-BE49-F238E27FC236}">
+                <a16:creationId xmlns:a16="http://schemas.microsoft.com/office/drawing/2014/main" id="{1D89AC63-9F08-4CEE-A6AF-088F24DBD587}"/>
+              </a:ext>
+            </a:extLst>
+          </p:cNvPr>
+          <p:cNvPicPr>
+            <a:picLocks noChangeAspect="1"/>
+          </p:cNvPicPr>
+          <p:nvPr/>
+        </p:nvPicPr>
+        <p:blipFill>
+          <a:blip r:embed="rId2">
+            <a:extLst>
+              <a:ext uri="{28A0092B-C50C-407E-A947-70E740481C1C}">
+                <a14:useLocalDpi xmlns:a14="http://schemas.microsoft.com/office/drawing/2010/main" val="0"/>
+              </a:ext>
+            </a:extLst>
+          </a:blip>
+          <a:srcRect/>
+          <a:stretch/>
+        </p:blipFill>
+        <p:spPr>
+          <a:xfrm>
+            <a:off x="-1914325" y="-4295220"/>
+            <a:ext cx="16020650" cy="15544799"/>
+          </a:xfrm>
+          <a:prstGeom prst="rect">
+            <a:avLst/>
+          </a:prstGeom>
+          <a:ln>
+            <a:noFill/>
+          </a:ln>
+          <a:effectLst>
+            <a:outerShdw blurRad="190500" algn="tl" rotWithShape="0">
+              <a:srgbClr val="000000">
+                <a:alpha val="70000"/>
+              </a:srgbClr>
+            </a:outerShdw>
+          </a:effectLst>
+        </p:spPr>
+      </p:pic>
+      <p:sp>
+        <p:nvSpPr>
+          <p:cNvPr id="2" name="タイトル 1">
+            <a:extLst>
+              <a:ext uri="{FF2B5EF4-FFF2-40B4-BE49-F238E27FC236}">
+                <a16:creationId xmlns:a16="http://schemas.microsoft.com/office/drawing/2014/main" id="{51DD64BB-1183-48B4-AB9D-0F42A61B29ED}"/>
+              </a:ext>
+            </a:extLst>
+          </p:cNvPr>
+          <p:cNvSpPr>
+            <a:spLocks noGrp="1"/>
+          </p:cNvSpPr>
+          <p:nvPr>
+            <p:ph type="title"/>
+          </p:nvPr>
+        </p:nvSpPr>
+        <p:spPr/>
+        <p:txBody>
+          <a:bodyPr/>
+          <a:lstStyle/>
+          <a:p>
+            <a:r>
+              <a:rPr kumimoji="1" lang="ja-JP" altLang="en-US" dirty="0"/>
+              <a:t>ゲームシステム</a:t>
+            </a:r>
+          </a:p>
+        </p:txBody>
+      </p:sp>
+      <p:sp>
+        <p:nvSpPr>
+          <p:cNvPr id="4" name="コンテンツ プレースホルダー 3">
+            <a:extLst>
+              <a:ext uri="{FF2B5EF4-FFF2-40B4-BE49-F238E27FC236}">
+                <a16:creationId xmlns:a16="http://schemas.microsoft.com/office/drawing/2014/main" id="{F22E0638-4A04-4FEF-A87B-F6818FD7D581}"/>
+              </a:ext>
+            </a:extLst>
+          </p:cNvPr>
+          <p:cNvSpPr>
+            <a:spLocks noGrp="1"/>
+          </p:cNvSpPr>
+          <p:nvPr>
+            <p:ph idx="1"/>
+          </p:nvPr>
+        </p:nvSpPr>
+        <p:spPr>
+          <a:xfrm>
+            <a:off x="845127" y="1463040"/>
+            <a:ext cx="10515600" cy="4717097"/>
+          </a:xfrm>
+        </p:spPr>
+        <p:txBody>
+          <a:bodyPr/>
+          <a:lstStyle/>
+          <a:p>
+            <a:r>
+              <a:rPr lang="ja-JP" altLang="en-US" dirty="0"/>
+              <a:t>簡単操作！「引き出しパズルアクション」</a:t>
+            </a:r>
+            <a:endParaRPr lang="en-US" altLang="ja-JP" dirty="0"/>
+          </a:p>
+          <a:p>
+            <a:endParaRPr lang="en-US" altLang="ja-JP" dirty="0"/>
+          </a:p>
+          <a:p>
+            <a:endParaRPr lang="en-US" altLang="ja-JP" dirty="0"/>
+          </a:p>
+          <a:p>
+            <a:endParaRPr lang="en-US" altLang="ja-JP" dirty="0"/>
+          </a:p>
+          <a:p>
+            <a:endParaRPr lang="en-US" altLang="ja-JP" dirty="0"/>
+          </a:p>
+        </p:txBody>
+      </p:sp>
+      <p:sp>
+        <p:nvSpPr>
+          <p:cNvPr id="6" name="正方形/長方形 5">
+            <a:extLst>
+              <a:ext uri="{FF2B5EF4-FFF2-40B4-BE49-F238E27FC236}">
+                <a16:creationId xmlns:a16="http://schemas.microsoft.com/office/drawing/2014/main" id="{BB7DD563-948C-49E0-8E06-64E6113541A5}"/>
+              </a:ext>
+            </a:extLst>
+          </p:cNvPr>
+          <p:cNvSpPr/>
+          <p:nvPr/>
+        </p:nvSpPr>
+        <p:spPr>
+          <a:xfrm>
+            <a:off x="2281311" y="3196882"/>
+            <a:ext cx="984739" cy="464234"/>
+          </a:xfrm>
+          <a:prstGeom prst="rect">
+            <a:avLst/>
+          </a:prstGeom>
+          <a:solidFill>
+            <a:schemeClr val="accent6">
+              <a:lumMod val="75000"/>
+            </a:schemeClr>
+          </a:solidFill>
+        </p:spPr>
+        <p:style>
+          <a:lnRef idx="2">
+            <a:schemeClr val="accent1">
+              <a:shade val="50000"/>
+            </a:schemeClr>
+          </a:lnRef>
+          <a:fillRef idx="1">
+            <a:schemeClr val="accent1"/>
+          </a:fillRef>
+          <a:effectRef idx="0">
+            <a:schemeClr val="accent1"/>
+          </a:effectRef>
+          <a:fontRef idx="minor">
+            <a:schemeClr val="lt1"/>
+          </a:fontRef>
+        </p:style>
+        <p:txBody>
+          <a:bodyPr rtlCol="0" anchor="ctr"/>
+          <a:lstStyle/>
+          <a:p>
+            <a:pPr algn="ctr"/>
+            <a:endParaRPr kumimoji="1" lang="ja-JP" altLang="en-US"/>
+          </a:p>
+        </p:txBody>
+      </p:sp>
+      <p:sp>
+        <p:nvSpPr>
+          <p:cNvPr id="11" name="正方形/長方形 10">
+            <a:extLst>
+              <a:ext uri="{FF2B5EF4-FFF2-40B4-BE49-F238E27FC236}">
+                <a16:creationId xmlns:a16="http://schemas.microsoft.com/office/drawing/2014/main" id="{0E5A89DE-3440-4CB9-BE35-C290D020D2FF}"/>
+              </a:ext>
+            </a:extLst>
+          </p:cNvPr>
+          <p:cNvSpPr/>
+          <p:nvPr/>
+        </p:nvSpPr>
+        <p:spPr>
+          <a:xfrm>
+            <a:off x="8161607" y="3196882"/>
+            <a:ext cx="979850" cy="464234"/>
+          </a:xfrm>
+          <a:prstGeom prst="rect">
+            <a:avLst/>
+          </a:prstGeom>
+          <a:solidFill>
+            <a:schemeClr val="accent6">
+              <a:lumMod val="75000"/>
+            </a:schemeClr>
+          </a:solidFill>
+        </p:spPr>
+        <p:style>
+          <a:lnRef idx="2">
+            <a:schemeClr val="accent1">
+              <a:shade val="50000"/>
+            </a:schemeClr>
+          </a:lnRef>
+          <a:fillRef idx="1">
+            <a:schemeClr val="accent1"/>
+          </a:fillRef>
+          <a:effectRef idx="0">
+            <a:schemeClr val="accent1"/>
+          </a:effectRef>
+          <a:fontRef idx="minor">
+            <a:schemeClr val="lt1"/>
+          </a:fontRef>
+        </p:style>
+        <p:txBody>
+          <a:bodyPr rtlCol="0" anchor="ctr"/>
+          <a:lstStyle/>
+          <a:p>
+            <a:pPr algn="ctr"/>
+            <a:endParaRPr kumimoji="1" lang="ja-JP" altLang="en-US"/>
+          </a:p>
+        </p:txBody>
+      </p:sp>
+      <p:sp>
+        <p:nvSpPr>
+          <p:cNvPr id="13" name="正方形/長方形 12">
+            <a:extLst>
+              <a:ext uri="{FF2B5EF4-FFF2-40B4-BE49-F238E27FC236}">
+                <a16:creationId xmlns:a16="http://schemas.microsoft.com/office/drawing/2014/main" id="{540A150A-8FDE-4FFB-844C-CE03184F6B9A}"/>
+              </a:ext>
+            </a:extLst>
+          </p:cNvPr>
+          <p:cNvSpPr/>
+          <p:nvPr/>
+        </p:nvSpPr>
+        <p:spPr>
+          <a:xfrm>
+            <a:off x="7664349" y="3196882"/>
+            <a:ext cx="492369" cy="464234"/>
+          </a:xfrm>
+          <a:prstGeom prst="rect">
+            <a:avLst/>
+          </a:prstGeom>
+          <a:solidFill>
+            <a:schemeClr val="accent6">
+              <a:lumMod val="60000"/>
+              <a:lumOff val="40000"/>
+            </a:schemeClr>
+          </a:solidFill>
+        </p:spPr>
+        <p:style>
+          <a:lnRef idx="2">
+            <a:schemeClr val="accent1">
+              <a:shade val="50000"/>
+            </a:schemeClr>
+          </a:lnRef>
+          <a:fillRef idx="1">
+            <a:schemeClr val="accent1"/>
+          </a:fillRef>
+          <a:effectRef idx="0">
+            <a:schemeClr val="accent1"/>
+          </a:effectRef>
+          <a:fontRef idx="minor">
+            <a:schemeClr val="lt1"/>
+          </a:fontRef>
+        </p:style>
+        <p:txBody>
+          <a:bodyPr rtlCol="0" anchor="ctr"/>
+          <a:lstStyle/>
+          <a:p>
+            <a:pPr algn="ctr"/>
+            <a:endParaRPr kumimoji="1" lang="ja-JP" altLang="en-US"/>
+          </a:p>
+        </p:txBody>
+      </p:sp>
+      <p:sp>
+        <p:nvSpPr>
+          <p:cNvPr id="14" name="正方形/長方形 13">
+            <a:extLst>
+              <a:ext uri="{FF2B5EF4-FFF2-40B4-BE49-F238E27FC236}">
+                <a16:creationId xmlns:a16="http://schemas.microsoft.com/office/drawing/2014/main" id="{00036FEB-C8F9-4488-A18B-15B807C2A156}"/>
+              </a:ext>
+            </a:extLst>
+          </p:cNvPr>
+          <p:cNvSpPr/>
+          <p:nvPr/>
+        </p:nvSpPr>
+        <p:spPr>
+          <a:xfrm>
+            <a:off x="2281311" y="2808104"/>
+            <a:ext cx="979850" cy="464234"/>
+          </a:xfrm>
+          <a:prstGeom prst="rect">
+            <a:avLst/>
+          </a:prstGeom>
+          <a:solidFill>
+            <a:schemeClr val="accent2">
+              <a:lumMod val="60000"/>
+              <a:lumOff val="40000"/>
+            </a:schemeClr>
+          </a:solidFill>
+        </p:spPr>
+        <p:style>
+          <a:lnRef idx="2">
+            <a:schemeClr val="accent1">
+              <a:shade val="50000"/>
+            </a:schemeClr>
+          </a:lnRef>
+          <a:fillRef idx="1">
+            <a:schemeClr val="accent1"/>
+          </a:fillRef>
+          <a:effectRef idx="0">
+            <a:schemeClr val="accent1"/>
+          </a:effectRef>
+          <a:fontRef idx="minor">
+            <a:schemeClr val="lt1"/>
+          </a:fontRef>
+        </p:style>
+        <p:txBody>
+          <a:bodyPr rtlCol="0" anchor="ctr"/>
+          <a:lstStyle/>
+          <a:p>
+            <a:pPr algn="ctr"/>
+            <a:endParaRPr kumimoji="1" lang="ja-JP" altLang="en-US"/>
+          </a:p>
+        </p:txBody>
+      </p:sp>
+      <p:sp>
+        <p:nvSpPr>
+          <p:cNvPr id="15" name="正方形/長方形 14">
+            <a:extLst>
+              <a:ext uri="{FF2B5EF4-FFF2-40B4-BE49-F238E27FC236}">
+                <a16:creationId xmlns:a16="http://schemas.microsoft.com/office/drawing/2014/main" id="{9DCB4A0E-6589-4A83-AB45-F36FC1F4DF0D}"/>
+              </a:ext>
+            </a:extLst>
+          </p:cNvPr>
+          <p:cNvSpPr/>
+          <p:nvPr/>
+        </p:nvSpPr>
+        <p:spPr>
+          <a:xfrm>
+            <a:off x="2771236" y="2343870"/>
+            <a:ext cx="492369" cy="464234"/>
+          </a:xfrm>
+          <a:prstGeom prst="rect">
+            <a:avLst/>
+          </a:prstGeom>
+          <a:solidFill>
+            <a:schemeClr val="accent1">
+              <a:lumMod val="75000"/>
+            </a:schemeClr>
+          </a:solidFill>
+        </p:spPr>
+        <p:style>
+          <a:lnRef idx="2">
+            <a:schemeClr val="accent1">
+              <a:shade val="50000"/>
+            </a:schemeClr>
+          </a:lnRef>
+          <a:fillRef idx="1">
+            <a:schemeClr val="accent1"/>
+          </a:fillRef>
+          <a:effectRef idx="0">
+            <a:schemeClr val="accent1"/>
+          </a:effectRef>
+          <a:fontRef idx="minor">
+            <a:schemeClr val="lt1"/>
+          </a:fontRef>
+        </p:style>
+        <p:txBody>
+          <a:bodyPr rtlCol="0" anchor="ctr"/>
+          <a:lstStyle/>
+          <a:p>
+            <a:pPr algn="ctr"/>
+            <a:endParaRPr kumimoji="1" lang="ja-JP" altLang="en-US"/>
+          </a:p>
+        </p:txBody>
+      </p:sp>
+      <p:sp>
+        <p:nvSpPr>
+          <p:cNvPr id="16" name="正方形/長方形 15">
+            <a:extLst>
+              <a:ext uri="{FF2B5EF4-FFF2-40B4-BE49-F238E27FC236}">
+                <a16:creationId xmlns:a16="http://schemas.microsoft.com/office/drawing/2014/main" id="{E4008A24-6799-49BF-BAA6-6189A06D61E8}"/>
+              </a:ext>
+            </a:extLst>
+          </p:cNvPr>
+          <p:cNvSpPr/>
+          <p:nvPr/>
+        </p:nvSpPr>
+        <p:spPr>
+          <a:xfrm>
+            <a:off x="8161607" y="2745756"/>
+            <a:ext cx="979850" cy="464234"/>
+          </a:xfrm>
+          <a:prstGeom prst="rect">
+            <a:avLst/>
+          </a:prstGeom>
+          <a:solidFill>
+            <a:schemeClr val="accent2">
+              <a:lumMod val="60000"/>
+              <a:lumOff val="40000"/>
+            </a:schemeClr>
+          </a:solidFill>
+        </p:spPr>
+        <p:style>
+          <a:lnRef idx="2">
+            <a:schemeClr val="accent1">
+              <a:shade val="50000"/>
+            </a:schemeClr>
+          </a:lnRef>
+          <a:fillRef idx="1">
+            <a:schemeClr val="accent1"/>
+          </a:fillRef>
+          <a:effectRef idx="0">
+            <a:schemeClr val="accent1"/>
+          </a:effectRef>
+          <a:fontRef idx="minor">
+            <a:schemeClr val="lt1"/>
+          </a:fontRef>
+        </p:style>
+        <p:txBody>
+          <a:bodyPr rtlCol="0" anchor="ctr"/>
+          <a:lstStyle/>
+          <a:p>
+            <a:pPr algn="ctr"/>
+            <a:endParaRPr kumimoji="1" lang="ja-JP" altLang="en-US"/>
+          </a:p>
+        </p:txBody>
+      </p:sp>
+      <p:sp>
+        <p:nvSpPr>
+          <p:cNvPr id="17" name="正方形/長方形 16">
+            <a:extLst>
+              <a:ext uri="{FF2B5EF4-FFF2-40B4-BE49-F238E27FC236}">
+                <a16:creationId xmlns:a16="http://schemas.microsoft.com/office/drawing/2014/main" id="{C1FB8D68-66D9-4C1C-9240-0E7565304E3E}"/>
+              </a:ext>
+            </a:extLst>
+          </p:cNvPr>
+          <p:cNvSpPr/>
+          <p:nvPr/>
+        </p:nvSpPr>
+        <p:spPr>
+          <a:xfrm>
+            <a:off x="8649088" y="2271133"/>
+            <a:ext cx="492369" cy="464234"/>
+          </a:xfrm>
+          <a:prstGeom prst="rect">
+            <a:avLst/>
+          </a:prstGeom>
+          <a:solidFill>
+            <a:schemeClr val="accent1">
+              <a:lumMod val="75000"/>
+            </a:schemeClr>
+          </a:solidFill>
+        </p:spPr>
+        <p:style>
+          <a:lnRef idx="2">
+            <a:schemeClr val="accent1">
+              <a:shade val="50000"/>
+            </a:schemeClr>
+          </a:lnRef>
+          <a:fillRef idx="1">
+            <a:schemeClr val="accent1"/>
+          </a:fillRef>
+          <a:effectRef idx="0">
+            <a:schemeClr val="accent1"/>
+          </a:effectRef>
+          <a:fontRef idx="minor">
+            <a:schemeClr val="lt1"/>
+          </a:fontRef>
+        </p:style>
+        <p:txBody>
+          <a:bodyPr rtlCol="0" anchor="ctr"/>
+          <a:lstStyle/>
+          <a:p>
+            <a:pPr algn="ctr"/>
+            <a:endParaRPr kumimoji="1" lang="ja-JP" altLang="en-US"/>
+          </a:p>
+        </p:txBody>
+      </p:sp>
+      <p:sp>
+        <p:nvSpPr>
+          <p:cNvPr id="18" name="フローチャート: 結合子 17">
+            <a:extLst>
+              <a:ext uri="{FF2B5EF4-FFF2-40B4-BE49-F238E27FC236}">
+                <a16:creationId xmlns:a16="http://schemas.microsoft.com/office/drawing/2014/main" id="{1F32FBF5-B198-4FF9-87B8-8BF381FE2127}"/>
+              </a:ext>
+            </a:extLst>
+          </p:cNvPr>
+          <p:cNvSpPr/>
+          <p:nvPr/>
+        </p:nvSpPr>
+        <p:spPr>
+          <a:xfrm>
+            <a:off x="1568371" y="3206472"/>
+            <a:ext cx="492369" cy="480669"/>
+          </a:xfrm>
+          <a:prstGeom prst="flowChartConnector">
+            <a:avLst/>
+          </a:prstGeom>
+          <a:ln>
+            <a:noFill/>
+          </a:ln>
+        </p:spPr>
+        <p:style>
+          <a:lnRef idx="2">
+            <a:schemeClr val="accent1">
+              <a:shade val="50000"/>
+            </a:schemeClr>
+          </a:lnRef>
+          <a:fillRef idx="1">
+            <a:schemeClr val="accent1"/>
+          </a:fillRef>
+          <a:effectRef idx="0">
+            <a:schemeClr val="accent1"/>
+          </a:effectRef>
+          <a:fontRef idx="minor">
+            <a:schemeClr val="lt1"/>
+          </a:fontRef>
+        </p:style>
+        <p:txBody>
+          <a:bodyPr rtlCol="0" anchor="ctr"/>
+          <a:lstStyle/>
+          <a:p>
+            <a:pPr algn="ctr"/>
+            <a:endParaRPr kumimoji="1" lang="ja-JP" altLang="en-US"/>
+          </a:p>
+        </p:txBody>
+      </p:sp>
+      <p:sp>
+        <p:nvSpPr>
+          <p:cNvPr id="19" name="楕円 18">
+            <a:extLst>
+              <a:ext uri="{FF2B5EF4-FFF2-40B4-BE49-F238E27FC236}">
+                <a16:creationId xmlns:a16="http://schemas.microsoft.com/office/drawing/2014/main" id="{3B3BEB75-2668-4C76-8613-430CF91C6B8A}"/>
+              </a:ext>
+            </a:extLst>
+          </p:cNvPr>
+          <p:cNvSpPr/>
+          <p:nvPr/>
+        </p:nvSpPr>
+        <p:spPr>
+          <a:xfrm rot="1107513">
+            <a:off x="1570081" y="3584302"/>
+            <a:ext cx="356582" cy="207499"/>
+          </a:xfrm>
+          <a:prstGeom prst="ellipse">
+            <a:avLst/>
+          </a:prstGeom>
+          <a:solidFill>
+            <a:schemeClr val="accent4">
+              <a:lumMod val="40000"/>
+              <a:lumOff val="60000"/>
+            </a:schemeClr>
+          </a:solidFill>
+        </p:spPr>
+        <p:style>
+          <a:lnRef idx="2">
+            <a:schemeClr val="accent1">
+              <a:shade val="50000"/>
+            </a:schemeClr>
+          </a:lnRef>
+          <a:fillRef idx="1">
+            <a:schemeClr val="accent1"/>
+          </a:fillRef>
+          <a:effectRef idx="0">
+            <a:schemeClr val="accent1"/>
+          </a:effectRef>
+          <a:fontRef idx="minor">
+            <a:schemeClr val="lt1"/>
+          </a:fontRef>
+        </p:style>
+        <p:txBody>
+          <a:bodyPr rtlCol="0" anchor="ctr"/>
+          <a:lstStyle/>
+          <a:p>
+            <a:pPr algn="ctr"/>
+            <a:endParaRPr kumimoji="1" lang="ja-JP" altLang="en-US"/>
+          </a:p>
+        </p:txBody>
+      </p:sp>
+      <p:sp>
+        <p:nvSpPr>
+          <p:cNvPr id="20" name="二等辺三角形 19">
+            <a:extLst>
+              <a:ext uri="{FF2B5EF4-FFF2-40B4-BE49-F238E27FC236}">
+                <a16:creationId xmlns:a16="http://schemas.microsoft.com/office/drawing/2014/main" id="{9A87B542-0843-4810-8B09-794858D6DC0E}"/>
+              </a:ext>
+            </a:extLst>
+          </p:cNvPr>
+          <p:cNvSpPr/>
+          <p:nvPr/>
+        </p:nvSpPr>
+        <p:spPr>
+          <a:xfrm rot="19742171">
+            <a:off x="1541431" y="3093509"/>
+            <a:ext cx="226362" cy="216450"/>
+          </a:xfrm>
+          <a:prstGeom prst="triangle">
+            <a:avLst/>
+          </a:prstGeom>
+          <a:ln>
+            <a:noFill/>
+          </a:ln>
+        </p:spPr>
+        <p:style>
+          <a:lnRef idx="2">
+            <a:schemeClr val="accent1">
+              <a:shade val="50000"/>
+            </a:schemeClr>
+          </a:lnRef>
+          <a:fillRef idx="1">
+            <a:schemeClr val="accent1"/>
+          </a:fillRef>
+          <a:effectRef idx="0">
+            <a:schemeClr val="accent1"/>
+          </a:effectRef>
+          <a:fontRef idx="minor">
+            <a:schemeClr val="lt1"/>
+          </a:fontRef>
+        </p:style>
+        <p:txBody>
+          <a:bodyPr rtlCol="0" anchor="ctr"/>
+          <a:lstStyle/>
+          <a:p>
+            <a:pPr algn="ctr"/>
+            <a:endParaRPr kumimoji="1" lang="ja-JP" altLang="en-US"/>
+          </a:p>
+        </p:txBody>
+      </p:sp>
+      <p:sp>
+        <p:nvSpPr>
+          <p:cNvPr id="21" name="台形 20">
+            <a:extLst>
+              <a:ext uri="{FF2B5EF4-FFF2-40B4-BE49-F238E27FC236}">
+                <a16:creationId xmlns:a16="http://schemas.microsoft.com/office/drawing/2014/main" id="{A3E1FF6A-1851-4FDE-B848-962F98115C72}"/>
+              </a:ext>
+            </a:extLst>
+          </p:cNvPr>
+          <p:cNvSpPr/>
+          <p:nvPr/>
+        </p:nvSpPr>
+        <p:spPr>
+          <a:xfrm rot="16200000">
+            <a:off x="2045510" y="3326609"/>
+            <a:ext cx="152734" cy="322250"/>
+          </a:xfrm>
+          <a:prstGeom prst="trapezoid">
+            <a:avLst/>
+          </a:prstGeom>
+          <a:ln>
+            <a:noFill/>
+          </a:ln>
+        </p:spPr>
+        <p:style>
+          <a:lnRef idx="2">
+            <a:schemeClr val="accent1">
+              <a:shade val="50000"/>
+            </a:schemeClr>
+          </a:lnRef>
+          <a:fillRef idx="1">
+            <a:schemeClr val="accent1"/>
+          </a:fillRef>
+          <a:effectRef idx="0">
+            <a:schemeClr val="accent1"/>
+          </a:effectRef>
+          <a:fontRef idx="minor">
+            <a:schemeClr val="lt1"/>
+          </a:fontRef>
+        </p:style>
+        <p:txBody>
+          <a:bodyPr rtlCol="0" anchor="ctr"/>
+          <a:lstStyle/>
+          <a:p>
+            <a:pPr algn="ctr"/>
+            <a:endParaRPr kumimoji="1" lang="ja-JP" altLang="en-US"/>
+          </a:p>
+        </p:txBody>
+      </p:sp>
+      <p:sp>
+        <p:nvSpPr>
+          <p:cNvPr id="22" name="矢印: 右 21">
+            <a:extLst>
+              <a:ext uri="{FF2B5EF4-FFF2-40B4-BE49-F238E27FC236}">
+                <a16:creationId xmlns:a16="http://schemas.microsoft.com/office/drawing/2014/main" id="{FA0423C6-3B9E-4C4D-9715-ED63A39C19B4}"/>
+              </a:ext>
+            </a:extLst>
+          </p:cNvPr>
+          <p:cNvSpPr/>
+          <p:nvPr/>
+        </p:nvSpPr>
+        <p:spPr>
+          <a:xfrm>
+            <a:off x="4609363" y="2899542"/>
+            <a:ext cx="1477108" cy="620896"/>
+          </a:xfrm>
+          <a:prstGeom prst="rightArrow">
+            <a:avLst/>
+          </a:prstGeom>
+          <a:solidFill>
+            <a:schemeClr val="bg1"/>
+          </a:solidFill>
+          <a:ln>
+            <a:solidFill>
+              <a:schemeClr val="tx1"/>
+            </a:solidFill>
+          </a:ln>
+        </p:spPr>
+        <p:style>
+          <a:lnRef idx="2">
+            <a:schemeClr val="accent1">
+              <a:shade val="50000"/>
+            </a:schemeClr>
+          </a:lnRef>
+          <a:fillRef idx="1">
+            <a:schemeClr val="accent1"/>
+          </a:fillRef>
+          <a:effectRef idx="0">
+            <a:schemeClr val="accent1"/>
+          </a:effectRef>
+          <a:fontRef idx="minor">
+            <a:schemeClr val="lt1"/>
+          </a:fontRef>
+        </p:style>
+        <p:txBody>
+          <a:bodyPr rtlCol="0" anchor="ctr"/>
+          <a:lstStyle/>
+          <a:p>
+            <a:pPr algn="ctr"/>
+            <a:endParaRPr kumimoji="1" lang="ja-JP" altLang="en-US"/>
+          </a:p>
+        </p:txBody>
+      </p:sp>
+      <p:pic>
+        <p:nvPicPr>
+          <p:cNvPr id="23" name="図 22">
+            <a:extLst>
+              <a:ext uri="{FF2B5EF4-FFF2-40B4-BE49-F238E27FC236}">
+                <a16:creationId xmlns:a16="http://schemas.microsoft.com/office/drawing/2014/main" id="{A22E01C4-F660-45C5-8659-5719768B2B7B}"/>
+              </a:ext>
+            </a:extLst>
+          </p:cNvPr>
+          <p:cNvPicPr>
+            <a:picLocks noChangeAspect="1"/>
+          </p:cNvPicPr>
+          <p:nvPr/>
+        </p:nvPicPr>
+        <p:blipFill>
+          <a:blip r:embed="rId3"/>
+          <a:stretch>
+            <a:fillRect/>
+          </a:stretch>
+        </p:blipFill>
+        <p:spPr>
+          <a:xfrm>
+            <a:off x="6934094" y="3170553"/>
+            <a:ext cx="493819" cy="481626"/>
+          </a:xfrm>
+          <a:prstGeom prst="rect">
+            <a:avLst/>
+          </a:prstGeom>
+        </p:spPr>
+      </p:pic>
+      <p:sp>
+        <p:nvSpPr>
+          <p:cNvPr id="24" name="台形 23">
+            <a:extLst>
+              <a:ext uri="{FF2B5EF4-FFF2-40B4-BE49-F238E27FC236}">
+                <a16:creationId xmlns:a16="http://schemas.microsoft.com/office/drawing/2014/main" id="{F33B38F1-1B3F-4647-9F55-347E717A207D}"/>
+              </a:ext>
+            </a:extLst>
+          </p:cNvPr>
+          <p:cNvSpPr/>
+          <p:nvPr/>
+        </p:nvSpPr>
+        <p:spPr>
+          <a:xfrm rot="16200000">
+            <a:off x="7448867" y="3316056"/>
+            <a:ext cx="152734" cy="322250"/>
+          </a:xfrm>
+          <a:prstGeom prst="trapezoid">
+            <a:avLst/>
+          </a:prstGeom>
+          <a:ln>
+            <a:noFill/>
+          </a:ln>
+        </p:spPr>
+        <p:style>
+          <a:lnRef idx="2">
+            <a:schemeClr val="accent1">
+              <a:shade val="50000"/>
+            </a:schemeClr>
+          </a:lnRef>
+          <a:fillRef idx="1">
+            <a:schemeClr val="accent1"/>
+          </a:fillRef>
+          <a:effectRef idx="0">
+            <a:schemeClr val="accent1"/>
+          </a:effectRef>
+          <a:fontRef idx="minor">
+            <a:schemeClr val="lt1"/>
+          </a:fontRef>
+        </p:style>
+        <p:txBody>
+          <a:bodyPr rtlCol="0" anchor="ctr"/>
+          <a:lstStyle/>
+          <a:p>
+            <a:pPr algn="ctr"/>
+            <a:endParaRPr kumimoji="1" lang="ja-JP" altLang="en-US"/>
+          </a:p>
+        </p:txBody>
+      </p:sp>
+      <p:sp>
+        <p:nvSpPr>
+          <p:cNvPr id="25" name="楕円 24">
+            <a:extLst>
+              <a:ext uri="{FF2B5EF4-FFF2-40B4-BE49-F238E27FC236}">
+                <a16:creationId xmlns:a16="http://schemas.microsoft.com/office/drawing/2014/main" id="{D6684FAD-08E4-43A9-A854-F46F87161AF5}"/>
+              </a:ext>
+            </a:extLst>
+          </p:cNvPr>
+          <p:cNvSpPr/>
+          <p:nvPr/>
+        </p:nvSpPr>
+        <p:spPr>
+          <a:xfrm rot="20674603">
+            <a:off x="7147480" y="3570410"/>
+            <a:ext cx="356582" cy="207499"/>
+          </a:xfrm>
+          <a:prstGeom prst="ellipse">
+            <a:avLst/>
+          </a:prstGeom>
+          <a:solidFill>
+            <a:schemeClr val="accent4">
+              <a:lumMod val="40000"/>
+              <a:lumOff val="60000"/>
+            </a:schemeClr>
+          </a:solidFill>
+        </p:spPr>
+        <p:style>
+          <a:lnRef idx="2">
+            <a:schemeClr val="accent1">
+              <a:shade val="50000"/>
+            </a:schemeClr>
+          </a:lnRef>
+          <a:fillRef idx="1">
+            <a:schemeClr val="accent1"/>
+          </a:fillRef>
+          <a:effectRef idx="0">
+            <a:schemeClr val="accent1"/>
+          </a:effectRef>
+          <a:fontRef idx="minor">
+            <a:schemeClr val="lt1"/>
+          </a:fontRef>
+        </p:style>
+        <p:txBody>
+          <a:bodyPr rtlCol="0" anchor="ctr"/>
+          <a:lstStyle/>
+          <a:p>
+            <a:pPr algn="ctr"/>
+            <a:endParaRPr kumimoji="1" lang="ja-JP" altLang="en-US"/>
+          </a:p>
+        </p:txBody>
+      </p:sp>
+      <p:sp>
+        <p:nvSpPr>
+          <p:cNvPr id="28" name="二等辺三角形 27">
+            <a:extLst>
+              <a:ext uri="{FF2B5EF4-FFF2-40B4-BE49-F238E27FC236}">
+                <a16:creationId xmlns:a16="http://schemas.microsoft.com/office/drawing/2014/main" id="{95213F61-5C7C-4F7E-B07A-68B61B5D51A7}"/>
+              </a:ext>
+            </a:extLst>
+          </p:cNvPr>
+          <p:cNvSpPr/>
+          <p:nvPr/>
+        </p:nvSpPr>
+        <p:spPr>
+          <a:xfrm rot="19742171">
+            <a:off x="6875173" y="3093508"/>
+            <a:ext cx="226362" cy="216450"/>
+          </a:xfrm>
+          <a:prstGeom prst="triangle">
+            <a:avLst/>
+          </a:prstGeom>
+          <a:ln>
+            <a:noFill/>
+          </a:ln>
+        </p:spPr>
+        <p:style>
+          <a:lnRef idx="2">
+            <a:schemeClr val="accent1">
+              <a:shade val="50000"/>
+            </a:schemeClr>
+          </a:lnRef>
+          <a:fillRef idx="1">
+            <a:schemeClr val="accent1"/>
+          </a:fillRef>
+          <a:effectRef idx="0">
+            <a:schemeClr val="accent1"/>
+          </a:effectRef>
+          <a:fontRef idx="minor">
+            <a:schemeClr val="lt1"/>
+          </a:fontRef>
+        </p:style>
+        <p:txBody>
+          <a:bodyPr rtlCol="0" anchor="ctr"/>
+          <a:lstStyle/>
+          <a:p>
+            <a:pPr algn="ctr"/>
+            <a:endParaRPr kumimoji="1" lang="ja-JP" altLang="en-US"/>
+          </a:p>
+        </p:txBody>
+      </p:sp>
+      <p:sp>
+        <p:nvSpPr>
+          <p:cNvPr id="7" name="二等辺三角形 6">
+            <a:extLst>
+              <a:ext uri="{FF2B5EF4-FFF2-40B4-BE49-F238E27FC236}">
+                <a16:creationId xmlns:a16="http://schemas.microsoft.com/office/drawing/2014/main" id="{39EAFE9F-7E65-4E82-8C5B-B8300283D816}"/>
+              </a:ext>
+            </a:extLst>
+          </p:cNvPr>
+          <p:cNvSpPr/>
+          <p:nvPr/>
+        </p:nvSpPr>
+        <p:spPr>
+          <a:xfrm rot="5400000" flipH="1">
+            <a:off x="3018784" y="1939951"/>
+            <a:ext cx="200125" cy="218935"/>
+          </a:xfrm>
+          <a:prstGeom prst="triangle">
+            <a:avLst/>
+          </a:prstGeom>
+          <a:solidFill>
+            <a:srgbClr val="FFFF00"/>
+          </a:solidFill>
+        </p:spPr>
+        <p:style>
+          <a:lnRef idx="2">
+            <a:schemeClr val="accent1">
+              <a:shade val="50000"/>
+            </a:schemeClr>
+          </a:lnRef>
+          <a:fillRef idx="1">
+            <a:schemeClr val="accent1"/>
+          </a:fillRef>
+          <a:effectRef idx="0">
+            <a:schemeClr val="accent1"/>
+          </a:effectRef>
+          <a:fontRef idx="minor">
+            <a:schemeClr val="lt1"/>
+          </a:fontRef>
+        </p:style>
+        <p:txBody>
+          <a:bodyPr rtlCol="0" anchor="ctr"/>
+          <a:lstStyle/>
+          <a:p>
+            <a:pPr algn="ctr"/>
+            <a:endParaRPr kumimoji="1" lang="ja-JP" altLang="en-US"/>
+          </a:p>
+        </p:txBody>
+      </p:sp>
+      <p:sp>
+        <p:nvSpPr>
+          <p:cNvPr id="3" name="正方形/長方形 2">
+            <a:extLst>
+              <a:ext uri="{FF2B5EF4-FFF2-40B4-BE49-F238E27FC236}">
+                <a16:creationId xmlns:a16="http://schemas.microsoft.com/office/drawing/2014/main" id="{CEFB0018-35EA-4130-8C5F-61F2C4371302}"/>
+              </a:ext>
+            </a:extLst>
+          </p:cNvPr>
+          <p:cNvSpPr/>
+          <p:nvPr/>
+        </p:nvSpPr>
+        <p:spPr>
+          <a:xfrm>
+            <a:off x="3009379" y="1955092"/>
+            <a:ext cx="45719" cy="382229"/>
+          </a:xfrm>
+          <a:prstGeom prst="rect">
+            <a:avLst/>
+          </a:prstGeom>
+          <a:solidFill>
+            <a:srgbClr val="FFFF00"/>
+          </a:solidFill>
+        </p:spPr>
+        <p:style>
+          <a:lnRef idx="2">
+            <a:schemeClr val="accent1">
+              <a:shade val="50000"/>
+            </a:schemeClr>
+          </a:lnRef>
+          <a:fillRef idx="1">
+            <a:schemeClr val="accent1"/>
+          </a:fillRef>
+          <a:effectRef idx="0">
+            <a:schemeClr val="accent1"/>
+          </a:effectRef>
+          <a:fontRef idx="minor">
+            <a:schemeClr val="lt1"/>
+          </a:fontRef>
+        </p:style>
+        <p:txBody>
+          <a:bodyPr rtlCol="0" anchor="ctr"/>
+          <a:lstStyle/>
+          <a:p>
+            <a:pPr algn="ctr"/>
+            <a:endParaRPr kumimoji="1" lang="ja-JP" altLang="en-US"/>
+          </a:p>
+        </p:txBody>
+      </p:sp>
+      <p:sp>
+        <p:nvSpPr>
+          <p:cNvPr id="30" name="テキスト ボックス 29">
+            <a:extLst>
+              <a:ext uri="{FF2B5EF4-FFF2-40B4-BE49-F238E27FC236}">
+                <a16:creationId xmlns:a16="http://schemas.microsoft.com/office/drawing/2014/main" id="{8A19B94B-5478-4E23-8937-7EF7A05CA63B}"/>
+              </a:ext>
+            </a:extLst>
+          </p:cNvPr>
+          <p:cNvSpPr txBox="1"/>
+          <p:nvPr/>
+        </p:nvSpPr>
+        <p:spPr>
+          <a:xfrm rot="19698959">
+            <a:off x="839976" y="2570052"/>
+            <a:ext cx="1511924" cy="369332"/>
+          </a:xfrm>
+          <a:prstGeom prst="rect">
+            <a:avLst/>
+          </a:prstGeom>
+          <a:noFill/>
+        </p:spPr>
+        <p:txBody>
+          <a:bodyPr wrap="square" rtlCol="0">
+            <a:spAutoFit/>
+          </a:bodyPr>
+          <a:lstStyle/>
+          <a:p>
+            <a:r>
+              <a:rPr kumimoji="1" lang="ja-JP" altLang="en-US" b="1" dirty="0">
+                <a:latin typeface="Tw Cen MT Condensed Extra Bold" panose="020B0803020202020204" pitchFamily="34" charset="0"/>
+              </a:rPr>
+              <a:t>つかんで</a:t>
+            </a:r>
+            <a:r>
+              <a:rPr kumimoji="1" lang="en-US" altLang="ja-JP" b="1" dirty="0">
+                <a:latin typeface="Tw Cen MT Condensed Extra Bold" panose="020B0803020202020204" pitchFamily="34" charset="0"/>
+              </a:rPr>
+              <a:t>…</a:t>
+            </a:r>
+            <a:endParaRPr kumimoji="1" lang="ja-JP" altLang="en-US" b="1" dirty="0">
+              <a:latin typeface="Tw Cen MT Condensed Extra Bold" panose="020B0803020202020204" pitchFamily="34" charset="0"/>
+            </a:endParaRPr>
+          </a:p>
+        </p:txBody>
+      </p:sp>
+      <p:sp>
+        <p:nvSpPr>
+          <p:cNvPr id="31" name="テキスト ボックス 30">
+            <a:extLst>
+              <a:ext uri="{FF2B5EF4-FFF2-40B4-BE49-F238E27FC236}">
+                <a16:creationId xmlns:a16="http://schemas.microsoft.com/office/drawing/2014/main" id="{A01EEC0C-22B4-479F-99DD-D3C01794E122}"/>
+              </a:ext>
+            </a:extLst>
+          </p:cNvPr>
+          <p:cNvSpPr txBox="1"/>
+          <p:nvPr/>
+        </p:nvSpPr>
+        <p:spPr>
+          <a:xfrm rot="21136700">
+            <a:off x="6364871" y="2412504"/>
+            <a:ext cx="1856992" cy="461665"/>
+          </a:xfrm>
+          <a:prstGeom prst="rect">
+            <a:avLst/>
+          </a:prstGeom>
+          <a:noFill/>
+        </p:spPr>
+        <p:txBody>
+          <a:bodyPr wrap="square" rtlCol="0">
+            <a:spAutoFit/>
+          </a:bodyPr>
+          <a:lstStyle/>
+          <a:p>
+            <a:r>
+              <a:rPr kumimoji="1" lang="ja-JP" altLang="en-US" sz="2400" b="1" dirty="0">
+                <a:latin typeface="Tw Cen MT Condensed Extra Bold" panose="020B0803020202020204" pitchFamily="34" charset="0"/>
+              </a:rPr>
+              <a:t>ひっぱる！</a:t>
+            </a:r>
+          </a:p>
+        </p:txBody>
+      </p:sp>
+      <p:pic>
+        <p:nvPicPr>
+          <p:cNvPr id="8" name="図 7">
+            <a:extLst>
+              <a:ext uri="{FF2B5EF4-FFF2-40B4-BE49-F238E27FC236}">
+                <a16:creationId xmlns:a16="http://schemas.microsoft.com/office/drawing/2014/main" id="{64A779EC-D9BC-4612-BAF9-9C528D799A6A}"/>
+              </a:ext>
+            </a:extLst>
+          </p:cNvPr>
+          <p:cNvPicPr>
+            <a:picLocks noChangeAspect="1"/>
+          </p:cNvPicPr>
+          <p:nvPr/>
+        </p:nvPicPr>
+        <p:blipFill>
+          <a:blip r:embed="rId4"/>
+          <a:stretch>
+            <a:fillRect/>
+          </a:stretch>
+        </p:blipFill>
+        <p:spPr>
+          <a:xfrm>
+            <a:off x="8890261" y="1900924"/>
+            <a:ext cx="231668" cy="213378"/>
+          </a:xfrm>
+          <a:prstGeom prst="rect">
+            <a:avLst/>
+          </a:prstGeom>
+        </p:spPr>
+      </p:pic>
+      <p:pic>
+        <p:nvPicPr>
+          <p:cNvPr id="9" name="図 8">
+            <a:extLst>
+              <a:ext uri="{FF2B5EF4-FFF2-40B4-BE49-F238E27FC236}">
+                <a16:creationId xmlns:a16="http://schemas.microsoft.com/office/drawing/2014/main" id="{9DFAAE73-D597-4423-94CD-0E973F5B506F}"/>
+              </a:ext>
+            </a:extLst>
+          </p:cNvPr>
+          <p:cNvPicPr>
+            <a:picLocks noChangeAspect="1"/>
+          </p:cNvPicPr>
+          <p:nvPr/>
+        </p:nvPicPr>
+        <p:blipFill>
+          <a:blip r:embed="rId5"/>
+          <a:stretch>
+            <a:fillRect/>
+          </a:stretch>
+        </p:blipFill>
+        <p:spPr>
+          <a:xfrm>
+            <a:off x="8864858" y="1893569"/>
+            <a:ext cx="60965" cy="396274"/>
+          </a:xfrm>
+          <a:prstGeom prst="rect">
+            <a:avLst/>
+          </a:prstGeom>
+        </p:spPr>
+      </p:pic>
+      <p:sp>
+        <p:nvSpPr>
+          <p:cNvPr id="26" name="矢印: 下カーブ 25">
+            <a:extLst>
+              <a:ext uri="{FF2B5EF4-FFF2-40B4-BE49-F238E27FC236}">
+                <a16:creationId xmlns:a16="http://schemas.microsoft.com/office/drawing/2014/main" id="{020588BC-C308-41EC-B8BB-A9E853C69837}"/>
+              </a:ext>
+            </a:extLst>
+          </p:cNvPr>
+          <p:cNvSpPr/>
+          <p:nvPr/>
+        </p:nvSpPr>
+        <p:spPr>
+          <a:xfrm rot="5400000">
+            <a:off x="7517904" y="3841890"/>
+            <a:ext cx="1076106" cy="1012874"/>
+          </a:xfrm>
+          <a:prstGeom prst="curvedDownArrow">
+            <a:avLst/>
+          </a:prstGeom>
+          <a:solidFill>
+            <a:schemeClr val="bg1"/>
+          </a:solidFill>
+          <a:ln>
+            <a:solidFill>
+              <a:schemeClr val="tx1"/>
+            </a:solidFill>
+          </a:ln>
+        </p:spPr>
+        <p:style>
+          <a:lnRef idx="2">
+            <a:schemeClr val="accent1">
+              <a:shade val="50000"/>
+            </a:schemeClr>
+          </a:lnRef>
+          <a:fillRef idx="1">
+            <a:schemeClr val="accent1"/>
+          </a:fillRef>
+          <a:effectRef idx="0">
+            <a:schemeClr val="accent1"/>
+          </a:effectRef>
+          <a:fontRef idx="minor">
+            <a:schemeClr val="lt1"/>
+          </a:fontRef>
+        </p:style>
+        <p:txBody>
+          <a:bodyPr rtlCol="0" anchor="ctr"/>
+          <a:lstStyle/>
+          <a:p>
+            <a:pPr algn="ctr"/>
+            <a:endParaRPr kumimoji="1" lang="ja-JP" altLang="en-US">
+              <a:solidFill>
+                <a:schemeClr val="tx1"/>
+              </a:solidFill>
+            </a:endParaRPr>
+          </a:p>
+        </p:txBody>
+      </p:sp>
+      <p:sp>
+        <p:nvSpPr>
+          <p:cNvPr id="32" name="正方形/長方形 31">
+            <a:extLst>
+              <a:ext uri="{FF2B5EF4-FFF2-40B4-BE49-F238E27FC236}">
+                <a16:creationId xmlns:a16="http://schemas.microsoft.com/office/drawing/2014/main" id="{58B779F6-9920-48CE-996A-5C31D596F2FD}"/>
+              </a:ext>
+            </a:extLst>
+          </p:cNvPr>
+          <p:cNvSpPr/>
+          <p:nvPr/>
+        </p:nvSpPr>
+        <p:spPr>
+          <a:xfrm>
+            <a:off x="4855547" y="5394960"/>
+            <a:ext cx="984739" cy="464234"/>
+          </a:xfrm>
+          <a:prstGeom prst="rect">
+            <a:avLst/>
+          </a:prstGeom>
+          <a:solidFill>
+            <a:schemeClr val="accent6">
+              <a:lumMod val="75000"/>
+            </a:schemeClr>
+          </a:solidFill>
+        </p:spPr>
+        <p:style>
+          <a:lnRef idx="2">
+            <a:schemeClr val="accent1">
+              <a:shade val="50000"/>
+            </a:schemeClr>
+          </a:lnRef>
+          <a:fillRef idx="1">
+            <a:schemeClr val="accent1"/>
+          </a:fillRef>
+          <a:effectRef idx="0">
+            <a:schemeClr val="accent1"/>
+          </a:effectRef>
+          <a:fontRef idx="minor">
+            <a:schemeClr val="lt1"/>
+          </a:fontRef>
+        </p:style>
+        <p:txBody>
+          <a:bodyPr rtlCol="0" anchor="ctr"/>
+          <a:lstStyle/>
+          <a:p>
+            <a:pPr algn="ctr"/>
+            <a:endParaRPr kumimoji="1" lang="ja-JP" altLang="en-US"/>
+          </a:p>
+        </p:txBody>
+      </p:sp>
+      <p:sp>
+        <p:nvSpPr>
+          <p:cNvPr id="33" name="正方形/長方形 32">
+            <a:extLst>
+              <a:ext uri="{FF2B5EF4-FFF2-40B4-BE49-F238E27FC236}">
+                <a16:creationId xmlns:a16="http://schemas.microsoft.com/office/drawing/2014/main" id="{0B850615-429D-40E0-90DC-D33D80412E4E}"/>
+              </a:ext>
+            </a:extLst>
+          </p:cNvPr>
+          <p:cNvSpPr/>
+          <p:nvPr/>
+        </p:nvSpPr>
+        <p:spPr>
+          <a:xfrm>
+            <a:off x="4363178" y="5394960"/>
+            <a:ext cx="492369" cy="464234"/>
+          </a:xfrm>
+          <a:prstGeom prst="rect">
+            <a:avLst/>
+          </a:prstGeom>
+          <a:solidFill>
+            <a:schemeClr val="accent6">
+              <a:lumMod val="60000"/>
+              <a:lumOff val="40000"/>
+            </a:schemeClr>
+          </a:solidFill>
+        </p:spPr>
+        <p:style>
+          <a:lnRef idx="2">
+            <a:schemeClr val="accent1">
+              <a:shade val="50000"/>
+            </a:schemeClr>
+          </a:lnRef>
+          <a:fillRef idx="1">
+            <a:schemeClr val="accent1"/>
+          </a:fillRef>
+          <a:effectRef idx="0">
+            <a:schemeClr val="accent1"/>
+          </a:effectRef>
+          <a:fontRef idx="minor">
+            <a:schemeClr val="lt1"/>
+          </a:fontRef>
+        </p:style>
+        <p:txBody>
+          <a:bodyPr rtlCol="0" anchor="ctr"/>
+          <a:lstStyle/>
+          <a:p>
+            <a:pPr algn="ctr"/>
+            <a:endParaRPr kumimoji="1" lang="ja-JP" altLang="en-US"/>
+          </a:p>
+        </p:txBody>
+      </p:sp>
+      <p:sp>
+        <p:nvSpPr>
+          <p:cNvPr id="34" name="正方形/長方形 33">
+            <a:extLst>
+              <a:ext uri="{FF2B5EF4-FFF2-40B4-BE49-F238E27FC236}">
+                <a16:creationId xmlns:a16="http://schemas.microsoft.com/office/drawing/2014/main" id="{EEB21669-3CBB-4A36-A102-C91DBD321BA3}"/>
+              </a:ext>
+            </a:extLst>
+          </p:cNvPr>
+          <p:cNvSpPr/>
+          <p:nvPr/>
+        </p:nvSpPr>
+        <p:spPr>
+          <a:xfrm>
+            <a:off x="4860436" y="4919020"/>
+            <a:ext cx="979850" cy="464234"/>
+          </a:xfrm>
+          <a:prstGeom prst="rect">
+            <a:avLst/>
+          </a:prstGeom>
+          <a:solidFill>
+            <a:schemeClr val="accent2">
+              <a:lumMod val="60000"/>
+              <a:lumOff val="40000"/>
+            </a:schemeClr>
+          </a:solidFill>
+        </p:spPr>
+        <p:style>
+          <a:lnRef idx="2">
+            <a:schemeClr val="accent1">
+              <a:shade val="50000"/>
+            </a:schemeClr>
+          </a:lnRef>
+          <a:fillRef idx="1">
+            <a:schemeClr val="accent1"/>
+          </a:fillRef>
+          <a:effectRef idx="0">
+            <a:schemeClr val="accent1"/>
+          </a:effectRef>
+          <a:fontRef idx="minor">
+            <a:schemeClr val="lt1"/>
+          </a:fontRef>
+        </p:style>
+        <p:txBody>
+          <a:bodyPr rtlCol="0" anchor="ctr"/>
+          <a:lstStyle/>
+          <a:p>
+            <a:pPr algn="ctr"/>
+            <a:endParaRPr kumimoji="1" lang="ja-JP" altLang="en-US"/>
+          </a:p>
+        </p:txBody>
+      </p:sp>
+      <p:sp>
+        <p:nvSpPr>
+          <p:cNvPr id="35" name="正方形/長方形 34">
+            <a:extLst>
+              <a:ext uri="{FF2B5EF4-FFF2-40B4-BE49-F238E27FC236}">
+                <a16:creationId xmlns:a16="http://schemas.microsoft.com/office/drawing/2014/main" id="{9A237670-1EE4-468D-8291-B2341ABA402A}"/>
+              </a:ext>
+            </a:extLst>
+          </p:cNvPr>
+          <p:cNvSpPr/>
+          <p:nvPr/>
+        </p:nvSpPr>
+        <p:spPr>
+          <a:xfrm>
+            <a:off x="5317589" y="4434740"/>
+            <a:ext cx="522698" cy="472574"/>
+          </a:xfrm>
+          <a:prstGeom prst="rect">
+            <a:avLst/>
+          </a:prstGeom>
+          <a:solidFill>
+            <a:schemeClr val="accent1">
+              <a:lumMod val="75000"/>
+            </a:schemeClr>
+          </a:solidFill>
+        </p:spPr>
+        <p:style>
+          <a:lnRef idx="2">
+            <a:schemeClr val="accent1">
+              <a:shade val="50000"/>
+            </a:schemeClr>
+          </a:lnRef>
+          <a:fillRef idx="1">
+            <a:schemeClr val="accent1"/>
+          </a:fillRef>
+          <a:effectRef idx="0">
+            <a:schemeClr val="accent1"/>
+          </a:effectRef>
+          <a:fontRef idx="minor">
+            <a:schemeClr val="lt1"/>
+          </a:fontRef>
+        </p:style>
+        <p:txBody>
+          <a:bodyPr rtlCol="0" anchor="ctr"/>
+          <a:lstStyle/>
+          <a:p>
+            <a:pPr algn="ctr"/>
+            <a:endParaRPr kumimoji="1" lang="ja-JP" altLang="en-US"/>
+          </a:p>
+        </p:txBody>
+      </p:sp>
+      <p:pic>
+        <p:nvPicPr>
+          <p:cNvPr id="37" name="図 36">
+            <a:extLst>
+              <a:ext uri="{FF2B5EF4-FFF2-40B4-BE49-F238E27FC236}">
+                <a16:creationId xmlns:a16="http://schemas.microsoft.com/office/drawing/2014/main" id="{744A937E-5E57-4805-94AC-2F16F6789404}"/>
+              </a:ext>
+            </a:extLst>
+          </p:cNvPr>
+          <p:cNvPicPr>
+            <a:picLocks noChangeAspect="1"/>
+          </p:cNvPicPr>
+          <p:nvPr/>
+        </p:nvPicPr>
+        <p:blipFill>
+          <a:blip r:embed="rId4"/>
+          <a:stretch>
+            <a:fillRect/>
+          </a:stretch>
+        </p:blipFill>
+        <p:spPr>
+          <a:xfrm>
+            <a:off x="5595301" y="4049719"/>
+            <a:ext cx="231668" cy="213378"/>
+          </a:xfrm>
+          <a:prstGeom prst="rect">
+            <a:avLst/>
+          </a:prstGeom>
+        </p:spPr>
+      </p:pic>
+      <p:pic>
+        <p:nvPicPr>
+          <p:cNvPr id="36" name="図 35">
+            <a:extLst>
+              <a:ext uri="{FF2B5EF4-FFF2-40B4-BE49-F238E27FC236}">
+                <a16:creationId xmlns:a16="http://schemas.microsoft.com/office/drawing/2014/main" id="{9A0CDD61-02CB-48A6-BB52-37C0E848DEAC}"/>
+              </a:ext>
+            </a:extLst>
+          </p:cNvPr>
+          <p:cNvPicPr>
+            <a:picLocks noChangeAspect="1"/>
+          </p:cNvPicPr>
+          <p:nvPr/>
+        </p:nvPicPr>
+        <p:blipFill>
+          <a:blip r:embed="rId5"/>
+          <a:stretch>
+            <a:fillRect/>
+          </a:stretch>
+        </p:blipFill>
+        <p:spPr>
+          <a:xfrm>
+            <a:off x="5580121" y="4061425"/>
+            <a:ext cx="60965" cy="396274"/>
+          </a:xfrm>
+          <a:prstGeom prst="rect">
+            <a:avLst/>
+          </a:prstGeom>
+        </p:spPr>
+      </p:pic>
+      <p:sp>
+        <p:nvSpPr>
+          <p:cNvPr id="41" name="楕円 40">
+            <a:extLst>
+              <a:ext uri="{FF2B5EF4-FFF2-40B4-BE49-F238E27FC236}">
+                <a16:creationId xmlns:a16="http://schemas.microsoft.com/office/drawing/2014/main" id="{DAF275B8-B66B-4464-8475-E1AAFA0AAD6C}"/>
+              </a:ext>
+            </a:extLst>
+          </p:cNvPr>
+          <p:cNvSpPr/>
+          <p:nvPr/>
+        </p:nvSpPr>
+        <p:spPr>
+          <a:xfrm rot="18960337">
+            <a:off x="4905762" y="4525745"/>
+            <a:ext cx="356582" cy="207499"/>
+          </a:xfrm>
+          <a:prstGeom prst="ellipse">
+            <a:avLst/>
+          </a:prstGeom>
+          <a:solidFill>
+            <a:schemeClr val="accent4">
+              <a:lumMod val="40000"/>
+              <a:lumOff val="60000"/>
+            </a:schemeClr>
+          </a:solidFill>
+        </p:spPr>
+        <p:style>
+          <a:lnRef idx="2">
+            <a:schemeClr val="accent1">
+              <a:shade val="50000"/>
+            </a:schemeClr>
+          </a:lnRef>
+          <a:fillRef idx="1">
+            <a:schemeClr val="accent1"/>
+          </a:fillRef>
+          <a:effectRef idx="0">
+            <a:schemeClr val="accent1"/>
+          </a:effectRef>
+          <a:fontRef idx="minor">
+            <a:schemeClr val="lt1"/>
+          </a:fontRef>
+        </p:style>
+        <p:txBody>
+          <a:bodyPr rtlCol="0" anchor="ctr"/>
+          <a:lstStyle/>
+          <a:p>
+            <a:pPr algn="ctr"/>
+            <a:endParaRPr kumimoji="1" lang="ja-JP" altLang="en-US"/>
+          </a:p>
+        </p:txBody>
+      </p:sp>
+      <p:pic>
+        <p:nvPicPr>
+          <p:cNvPr id="38" name="図 37">
+            <a:extLst>
+              <a:ext uri="{FF2B5EF4-FFF2-40B4-BE49-F238E27FC236}">
+                <a16:creationId xmlns:a16="http://schemas.microsoft.com/office/drawing/2014/main" id="{04427BAB-6D06-4304-9406-F3D20A75B426}"/>
+              </a:ext>
+            </a:extLst>
+          </p:cNvPr>
+          <p:cNvPicPr>
+            <a:picLocks noChangeAspect="1"/>
+          </p:cNvPicPr>
+          <p:nvPr/>
+        </p:nvPicPr>
+        <p:blipFill>
+          <a:blip r:embed="rId3"/>
+          <a:stretch>
+            <a:fillRect/>
+          </a:stretch>
+        </p:blipFill>
+        <p:spPr>
+          <a:xfrm>
+            <a:off x="4608637" y="4232307"/>
+            <a:ext cx="493819" cy="481626"/>
+          </a:xfrm>
+          <a:prstGeom prst="rect">
+            <a:avLst/>
+          </a:prstGeom>
+        </p:spPr>
+      </p:pic>
+      <p:sp>
+        <p:nvSpPr>
+          <p:cNvPr id="39" name="二等辺三角形 38">
+            <a:extLst>
+              <a:ext uri="{FF2B5EF4-FFF2-40B4-BE49-F238E27FC236}">
+                <a16:creationId xmlns:a16="http://schemas.microsoft.com/office/drawing/2014/main" id="{AF72A6C4-32FE-43D6-947C-BD40EEA6A9D8}"/>
+              </a:ext>
+            </a:extLst>
+          </p:cNvPr>
+          <p:cNvSpPr/>
+          <p:nvPr/>
+        </p:nvSpPr>
+        <p:spPr>
+          <a:xfrm rot="19742171">
+            <a:off x="4583543" y="4104234"/>
+            <a:ext cx="226362" cy="216450"/>
+          </a:xfrm>
+          <a:prstGeom prst="triangle">
+            <a:avLst/>
+          </a:prstGeom>
+          <a:ln>
+            <a:noFill/>
+          </a:ln>
+        </p:spPr>
+        <p:style>
+          <a:lnRef idx="2">
+            <a:schemeClr val="accent1">
+              <a:shade val="50000"/>
+            </a:schemeClr>
+          </a:lnRef>
+          <a:fillRef idx="1">
+            <a:schemeClr val="accent1"/>
+          </a:fillRef>
+          <a:effectRef idx="0">
+            <a:schemeClr val="accent1"/>
+          </a:effectRef>
+          <a:fontRef idx="minor">
+            <a:schemeClr val="lt1"/>
+          </a:fontRef>
+        </p:style>
+        <p:txBody>
+          <a:bodyPr rtlCol="0" anchor="ctr"/>
+          <a:lstStyle/>
+          <a:p>
+            <a:pPr algn="ctr"/>
+            <a:endParaRPr kumimoji="1" lang="ja-JP" altLang="en-US"/>
+          </a:p>
+        </p:txBody>
+      </p:sp>
+      <p:sp>
+        <p:nvSpPr>
+          <p:cNvPr id="40" name="楕円 39">
+            <a:extLst>
+              <a:ext uri="{FF2B5EF4-FFF2-40B4-BE49-F238E27FC236}">
+                <a16:creationId xmlns:a16="http://schemas.microsoft.com/office/drawing/2014/main" id="{CE4FD5D2-4756-49DC-9BE9-F736F54E858B}"/>
+              </a:ext>
+            </a:extLst>
+          </p:cNvPr>
+          <p:cNvSpPr/>
+          <p:nvPr/>
+        </p:nvSpPr>
+        <p:spPr>
+          <a:xfrm rot="3321889">
+            <a:off x="4552394" y="4653817"/>
+            <a:ext cx="356582" cy="207499"/>
+          </a:xfrm>
+          <a:prstGeom prst="ellipse">
+            <a:avLst/>
+          </a:prstGeom>
+          <a:solidFill>
+            <a:schemeClr val="accent4">
+              <a:lumMod val="40000"/>
+              <a:lumOff val="60000"/>
+            </a:schemeClr>
+          </a:solidFill>
+        </p:spPr>
+        <p:style>
+          <a:lnRef idx="2">
+            <a:schemeClr val="accent1">
+              <a:shade val="50000"/>
+            </a:schemeClr>
+          </a:lnRef>
+          <a:fillRef idx="1">
+            <a:schemeClr val="accent1"/>
+          </a:fillRef>
+          <a:effectRef idx="0">
+            <a:schemeClr val="accent1"/>
+          </a:effectRef>
+          <a:fontRef idx="minor">
+            <a:schemeClr val="lt1"/>
+          </a:fontRef>
+        </p:style>
+        <p:txBody>
+          <a:bodyPr rtlCol="0" anchor="ctr"/>
+          <a:lstStyle/>
+          <a:p>
+            <a:pPr algn="ctr"/>
+            <a:endParaRPr kumimoji="1" lang="ja-JP" altLang="en-US"/>
+          </a:p>
+        </p:txBody>
+      </p:sp>
+      <p:sp>
+        <p:nvSpPr>
+          <p:cNvPr id="29" name="テキスト ボックス 28">
+            <a:extLst>
+              <a:ext uri="{FF2B5EF4-FFF2-40B4-BE49-F238E27FC236}">
+                <a16:creationId xmlns:a16="http://schemas.microsoft.com/office/drawing/2014/main" id="{9010D2E6-61BA-4C9A-8241-9FD906D913BC}"/>
+              </a:ext>
+            </a:extLst>
+          </p:cNvPr>
+          <p:cNvSpPr txBox="1"/>
+          <p:nvPr/>
+        </p:nvSpPr>
+        <p:spPr>
+          <a:xfrm rot="21283394">
+            <a:off x="2471206" y="3720338"/>
+            <a:ext cx="3185012" cy="461665"/>
+          </a:xfrm>
+          <a:prstGeom prst="rect">
+            <a:avLst/>
+          </a:prstGeom>
+          <a:noFill/>
+        </p:spPr>
+        <p:txBody>
+          <a:bodyPr wrap="square" rtlCol="0">
+            <a:spAutoFit/>
+          </a:bodyPr>
+          <a:lstStyle/>
+          <a:p>
+            <a:r>
+              <a:rPr kumimoji="1" lang="ja-JP" altLang="en-US" sz="2400" b="1" dirty="0"/>
+              <a:t>ジャンプでゴール！</a:t>
+            </a:r>
+          </a:p>
+        </p:txBody>
+      </p:sp>
+    </p:spTree>
+    <p:extLst>
+      <p:ext uri="{BB962C8B-B14F-4D97-AF65-F5344CB8AC3E}">
+        <p14:creationId xmlns:p14="http://schemas.microsoft.com/office/powerpoint/2010/main" val="1395186296"/>
+      </p:ext>
+    </p:extLst>
+  </p:cSld>
+  <p:clrMapOvr>
+    <a:masterClrMapping/>
+  </p:clrMapOvr>
+</p:sld>
+</file>
+
+<file path=ppt/slides/slide6.xml><?xml version="1.0" encoding="utf-8"?>
+<p:sld xmlns:a="http://schemas.openxmlformats.org/drawingml/2006/main" xmlns:r="http://schemas.openxmlformats.org/officeDocument/2006/relationships" xmlns:p="http://schemas.openxmlformats.org/presentationml/2006/main">
+  <p:cSld>
+    <p:spTree>
+      <p:nvGrpSpPr>
+        <p:cNvPr id="1" name=""/>
+        <p:cNvGrpSpPr/>
+        <p:nvPr/>
+      </p:nvGrpSpPr>
+      <p:grpSpPr>
+        <a:xfrm>
+          <a:off x="0" y="0"/>
+          <a:ext cx="0" cy="0"/>
+          <a:chOff x="0" y="0"/>
+          <a:chExt cx="0" cy="0"/>
+        </a:xfrm>
+      </p:grpSpPr>
+      <p:pic>
+        <p:nvPicPr>
+          <p:cNvPr id="5" name="図 4">
+            <a:extLst>
+              <a:ext uri="{FF2B5EF4-FFF2-40B4-BE49-F238E27FC236}">
+                <a16:creationId xmlns:a16="http://schemas.microsoft.com/office/drawing/2014/main" id="{1D89AC63-9F08-4CEE-A6AF-088F24DBD587}"/>
+              </a:ext>
+            </a:extLst>
+          </p:cNvPr>
+          <p:cNvPicPr>
+            <a:picLocks noChangeAspect="1"/>
+          </p:cNvPicPr>
+          <p:nvPr/>
+        </p:nvPicPr>
+        <p:blipFill>
+          <a:blip r:embed="rId2">
+            <a:extLst>
+              <a:ext uri="{28A0092B-C50C-407E-A947-70E740481C1C}">
+                <a14:useLocalDpi xmlns:a14="http://schemas.microsoft.com/office/drawing/2010/main" val="0"/>
+              </a:ext>
+            </a:extLst>
+          </a:blip>
+          <a:srcRect/>
+          <a:stretch/>
+        </p:blipFill>
+        <p:spPr>
+          <a:xfrm>
+            <a:off x="-2012799" y="-4343400"/>
+            <a:ext cx="16020650" cy="15544799"/>
+          </a:xfrm>
+          <a:prstGeom prst="rect">
+            <a:avLst/>
+          </a:prstGeom>
+          <a:ln>
+            <a:noFill/>
+          </a:ln>
+          <a:effectLst>
+            <a:outerShdw blurRad="190500" algn="tl" rotWithShape="0">
+              <a:srgbClr val="000000">
+                <a:alpha val="70000"/>
+              </a:srgbClr>
+            </a:outerShdw>
+          </a:effectLst>
+        </p:spPr>
+      </p:pic>
+      <p:sp>
+        <p:nvSpPr>
+          <p:cNvPr id="2" name="タイトル 1">
+            <a:extLst>
+              <a:ext uri="{FF2B5EF4-FFF2-40B4-BE49-F238E27FC236}">
+                <a16:creationId xmlns:a16="http://schemas.microsoft.com/office/drawing/2014/main" id="{51DD64BB-1183-48B4-AB9D-0F42A61B29ED}"/>
+              </a:ext>
+            </a:extLst>
+          </p:cNvPr>
+          <p:cNvSpPr>
+            <a:spLocks noGrp="1"/>
+          </p:cNvSpPr>
+          <p:nvPr>
+            <p:ph type="title"/>
+          </p:nvPr>
+        </p:nvSpPr>
+        <p:spPr/>
+        <p:txBody>
+          <a:bodyPr/>
+          <a:lstStyle/>
+          <a:p>
+            <a:endParaRPr kumimoji="1" lang="ja-JP" altLang="en-US" dirty="0"/>
+          </a:p>
+        </p:txBody>
+      </p:sp>
+      <p:sp>
+        <p:nvSpPr>
+          <p:cNvPr id="4" name="コンテンツ プレースホルダー 3">
+            <a:extLst>
+              <a:ext uri="{FF2B5EF4-FFF2-40B4-BE49-F238E27FC236}">
+                <a16:creationId xmlns:a16="http://schemas.microsoft.com/office/drawing/2014/main" id="{F94F95F5-6AF5-4970-9952-90DCE1C39CD7}"/>
+              </a:ext>
+            </a:extLst>
+          </p:cNvPr>
+          <p:cNvSpPr>
+            <a:spLocks noGrp="1"/>
+          </p:cNvSpPr>
+          <p:nvPr>
+            <p:ph idx="1"/>
+          </p:nvPr>
+        </p:nvSpPr>
+        <p:spPr/>
+        <p:txBody>
+          <a:bodyPr/>
+          <a:lstStyle/>
+          <a:p>
+            <a:endParaRPr lang="ja-JP" altLang="en-US"/>
+          </a:p>
+        </p:txBody>
+      </p:sp>
+    </p:spTree>
+    <p:extLst>
+      <p:ext uri="{BB962C8B-B14F-4D97-AF65-F5344CB8AC3E}">
+        <p14:creationId xmlns:p14="http://schemas.microsoft.com/office/powerpoint/2010/main" val="140246843"/>
+      </p:ext>
+    </p:extLst>
+  </p:cSld>
+  <p:clrMapOvr>
+    <a:masterClrMapping/>
+  </p:clrMapOvr>
+</p:sld>
+</file>
+
+<file path=ppt/slides/slide7.xml><?xml version="1.0" encoding="utf-8"?>
+<p:sld xmlns:a="http://schemas.openxmlformats.org/drawingml/2006/main" xmlns:r="http://schemas.openxmlformats.org/officeDocument/2006/relationships" xmlns:p="http://schemas.openxmlformats.org/presentationml/2006/main">
+  <p:cSld>
+    <p:spTree>
+      <p:nvGrpSpPr>
+        <p:cNvPr id="1" name=""/>
+        <p:cNvGrpSpPr/>
+        <p:nvPr/>
+      </p:nvGrpSpPr>
+      <p:grpSpPr>
+        <a:xfrm>
+          <a:off x="0" y="0"/>
+          <a:ext cx="0" cy="0"/>
+          <a:chOff x="0" y="0"/>
+          <a:chExt cx="0" cy="0"/>
+        </a:xfrm>
+      </p:grpSpPr>
+      <p:pic>
+        <p:nvPicPr>
+          <p:cNvPr id="5" name="図 4">
+            <a:extLst>
+              <a:ext uri="{FF2B5EF4-FFF2-40B4-BE49-F238E27FC236}">
+                <a16:creationId xmlns:a16="http://schemas.microsoft.com/office/drawing/2014/main" id="{1D89AC63-9F08-4CEE-A6AF-088F24DBD587}"/>
+              </a:ext>
+            </a:extLst>
+          </p:cNvPr>
+          <p:cNvPicPr>
+            <a:picLocks noChangeAspect="1"/>
+          </p:cNvPicPr>
+          <p:nvPr/>
+        </p:nvPicPr>
+        <p:blipFill>
+          <a:blip r:embed="rId2">
+            <a:extLst>
+              <a:ext uri="{28A0092B-C50C-407E-A947-70E740481C1C}">
+                <a14:useLocalDpi xmlns:a14="http://schemas.microsoft.com/office/drawing/2010/main" val="0"/>
+              </a:ext>
+            </a:extLst>
+          </a:blip>
+          <a:srcRect/>
+          <a:stretch/>
+        </p:blipFill>
+        <p:spPr>
+          <a:xfrm>
+            <a:off x="-2012799" y="-4343400"/>
+            <a:ext cx="16020650" cy="15544799"/>
+          </a:xfrm>
+          <a:prstGeom prst="rect">
+            <a:avLst/>
+          </a:prstGeom>
+          <a:ln>
+            <a:noFill/>
+          </a:ln>
+          <a:effectLst>
+            <a:outerShdw blurRad="190500" algn="tl" rotWithShape="0">
+              <a:srgbClr val="000000">
+                <a:alpha val="70000"/>
+              </a:srgbClr>
+            </a:outerShdw>
+          </a:effectLst>
+        </p:spPr>
+      </p:pic>
+      <p:sp>
+        <p:nvSpPr>
+          <p:cNvPr id="2" name="タイトル 1">
+            <a:extLst>
+              <a:ext uri="{FF2B5EF4-FFF2-40B4-BE49-F238E27FC236}">
+                <a16:creationId xmlns:a16="http://schemas.microsoft.com/office/drawing/2014/main" id="{51DD64BB-1183-48B4-AB9D-0F42A61B29ED}"/>
+              </a:ext>
+            </a:extLst>
+          </p:cNvPr>
+          <p:cNvSpPr>
+            <a:spLocks noGrp="1"/>
+          </p:cNvSpPr>
+          <p:nvPr>
+            <p:ph type="title"/>
+          </p:nvPr>
+        </p:nvSpPr>
+        <p:spPr/>
+        <p:txBody>
+          <a:bodyPr/>
+          <a:lstStyle/>
+          <a:p>
+            <a:endParaRPr kumimoji="1" lang="ja-JP" altLang="en-US" dirty="0"/>
+          </a:p>
+        </p:txBody>
+      </p:sp>
+      <p:sp>
+        <p:nvSpPr>
+          <p:cNvPr id="4" name="コンテンツ プレースホルダー 3">
+            <a:extLst>
+              <a:ext uri="{FF2B5EF4-FFF2-40B4-BE49-F238E27FC236}">
+                <a16:creationId xmlns:a16="http://schemas.microsoft.com/office/drawing/2014/main" id="{F94F95F5-6AF5-4970-9952-90DCE1C39CD7}"/>
+              </a:ext>
+            </a:extLst>
+          </p:cNvPr>
+          <p:cNvSpPr>
+            <a:spLocks noGrp="1"/>
+          </p:cNvSpPr>
+          <p:nvPr>
+            <p:ph idx="1"/>
+          </p:nvPr>
+        </p:nvSpPr>
+        <p:spPr/>
+        <p:txBody>
+          <a:bodyPr/>
+          <a:lstStyle/>
+          <a:p>
+            <a:endParaRPr lang="ja-JP" altLang="en-US"/>
+          </a:p>
+        </p:txBody>
+      </p:sp>
+    </p:spTree>
+    <p:extLst>
+      <p:ext uri="{BB962C8B-B14F-4D97-AF65-F5344CB8AC3E}">
+        <p14:creationId xmlns:p14="http://schemas.microsoft.com/office/powerpoint/2010/main" val="1801144993"/>
       </p:ext>
     </p:extLst>
   </p:cSld>
